--- a/문서모음/MiniMall Portfolio.pptx
+++ b/문서모음/MiniMall Portfolio.pptx
@@ -10,17 +10,19 @@
     <p:sldId id="326" r:id="rId4"/>
     <p:sldId id="327" r:id="rId5"/>
     <p:sldId id="328" r:id="rId6"/>
-    <p:sldId id="329" r:id="rId7"/>
-    <p:sldId id="330" r:id="rId8"/>
-    <p:sldId id="336" r:id="rId9"/>
+    <p:sldId id="342" r:id="rId7"/>
+    <p:sldId id="329" r:id="rId8"/>
+    <p:sldId id="330" r:id="rId9"/>
     <p:sldId id="331" r:id="rId10"/>
     <p:sldId id="332" r:id="rId11"/>
     <p:sldId id="333" r:id="rId12"/>
     <p:sldId id="334" r:id="rId13"/>
     <p:sldId id="337" r:id="rId14"/>
-    <p:sldId id="338" r:id="rId15"/>
-    <p:sldId id="339" r:id="rId16"/>
-    <p:sldId id="335" r:id="rId17"/>
+    <p:sldId id="341" r:id="rId15"/>
+    <p:sldId id="338" r:id="rId16"/>
+    <p:sldId id="339" r:id="rId17"/>
+    <p:sldId id="340" r:id="rId18"/>
+    <p:sldId id="335" r:id="rId19"/>
   </p:sldIdLst>
   <p:sldSz cx="12192000" cy="6858000"/>
   <p:notesSz cx="6858000" cy="9144000"/>
@@ -3297,7 +3299,14 @@
                 <a:latin typeface="나눔스퀘어 네오 OTF Bold" panose="00000800000000000000" pitchFamily="50" charset="-127"/>
                 <a:ea typeface="나눔스퀘어 네오 OTF Bold" panose="00000800000000000000" pitchFamily="50" charset="-127"/>
               </a:rPr>
-              <a:t>Ⅳ. </a:t>
+              <a:t>Ⅴ</a:t>
+            </a:r>
+            <a:r>
+              <a:rPr lang="en-US" altLang="ko-KR" sz="2800" smtClean="0">
+                <a:latin typeface="나눔스퀘어 네오 OTF Bold" panose="00000800000000000000" pitchFamily="50" charset="-127"/>
+                <a:ea typeface="나눔스퀘어 네오 OTF Bold" panose="00000800000000000000" pitchFamily="50" charset="-127"/>
+              </a:rPr>
+              <a:t>. </a:t>
             </a:r>
             <a:r>
               <a:rPr lang="en-US" altLang="ko-KR" sz="2800">
@@ -3336,7 +3345,7 @@
         <p:spPr>
           <a:xfrm>
             <a:off x="5383305" y="5071195"/>
-            <a:ext cx="1425390" cy="307777"/>
+            <a:ext cx="1380506" cy="307777"/>
           </a:xfrm>
           <a:prstGeom prst="rect">
             <a:avLst/>
@@ -3354,7 +3363,7 @@
                 <a:latin typeface="나눔스퀘어OTF" panose="020B0600000101010101" pitchFamily="34" charset="-127"/>
                 <a:ea typeface="나눔스퀘어OTF" panose="020B0600000101010101" pitchFamily="34" charset="-127"/>
               </a:rPr>
-              <a:t>4</a:t>
+              <a:t>5</a:t>
             </a:r>
             <a:r>
               <a:rPr lang="en-US" altLang="ko-KR" sz="1400" smtClean="0">
@@ -3404,7 +3413,7 @@
                 <a:latin typeface="나눔스퀘어OTF" panose="020B0600000101010101" pitchFamily="34" charset="-127"/>
                 <a:ea typeface="나눔스퀘어OTF" panose="020B0600000101010101" pitchFamily="34" charset="-127"/>
               </a:rPr>
-              <a:t>4</a:t>
+              <a:t>5</a:t>
             </a:r>
             <a:r>
               <a:rPr lang="en-US" altLang="ko-KR" sz="1400" smtClean="0">
@@ -3560,7 +3569,7 @@
         <p:spPr>
           <a:xfrm>
             <a:off x="2924197" y="195943"/>
-            <a:ext cx="1778051" cy="369332"/>
+            <a:ext cx="1720343" cy="369332"/>
           </a:xfrm>
           <a:prstGeom prst="rect">
             <a:avLst/>
@@ -3578,7 +3587,14 @@
                 <a:latin typeface="나눔스퀘어OTF" panose="020B0600000101010101" pitchFamily="34" charset="-127"/>
                 <a:ea typeface="나눔스퀘어OTF" panose="020B0600000101010101" pitchFamily="34" charset="-127"/>
               </a:rPr>
-              <a:t>4-1 </a:t>
+              <a:t>5</a:t>
+            </a:r>
+            <a:r>
+              <a:rPr lang="en-US" altLang="ko-KR" smtClean="0">
+                <a:latin typeface="나눔스퀘어OTF" panose="020B0600000101010101" pitchFamily="34" charset="-127"/>
+                <a:ea typeface="나눔스퀘어OTF" panose="020B0600000101010101" pitchFamily="34" charset="-127"/>
+              </a:rPr>
+              <a:t>-1 </a:t>
             </a:r>
             <a:r>
               <a:rPr lang="ko-KR" altLang="en-US" smtClean="0">
@@ -3594,10 +3610,6 @@
               </a:rPr>
               <a:t>화면</a:t>
             </a:r>
-            <a:endParaRPr lang="ko-KR" altLang="en-US">
-              <a:latin typeface="나눔스퀘어OTF" panose="020B0600000101010101" pitchFamily="34" charset="-127"/>
-              <a:ea typeface="나눔스퀘어OTF" panose="020B0600000101010101" pitchFamily="34" charset="-127"/>
-            </a:endParaRPr>
           </a:p>
         </p:txBody>
       </p:sp>
@@ -4967,56 +4979,6 @@
           </a:fontRef>
         </p:style>
       </p:cxnSp>
-      <p:sp>
-        <p:nvSpPr>
-          <p:cNvPr id="5" name="TextBox 4"/>
-          <p:cNvSpPr txBox="1"/>
-          <p:nvPr/>
-        </p:nvSpPr>
-        <p:spPr>
-          <a:xfrm>
-            <a:off x="2924197" y="195943"/>
-            <a:ext cx="1778051" cy="369332"/>
-          </a:xfrm>
-          <a:prstGeom prst="rect">
-            <a:avLst/>
-          </a:prstGeom>
-          <a:noFill/>
-        </p:spPr>
-        <p:txBody>
-          <a:bodyPr wrap="none" rtlCol="0">
-            <a:spAutoFit/>
-          </a:bodyPr>
-          <a:lstStyle/>
-          <a:p>
-            <a:r>
-              <a:rPr lang="en-US" altLang="ko-KR">
-                <a:latin typeface="나눔스퀘어OTF" panose="020B0600000101010101" pitchFamily="34" charset="-127"/>
-                <a:ea typeface="나눔스퀘어OTF" panose="020B0600000101010101" pitchFamily="34" charset="-127"/>
-              </a:rPr>
-              <a:t>4-1 </a:t>
-            </a:r>
-            <a:r>
-              <a:rPr lang="ko-KR" altLang="en-US" smtClean="0">
-                <a:latin typeface="나눔스퀘어OTF" panose="020B0600000101010101" pitchFamily="34" charset="-127"/>
-                <a:ea typeface="나눔스퀘어OTF" panose="020B0600000101010101" pitchFamily="34" charset="-127"/>
-              </a:rPr>
-              <a:t>관리자 </a:t>
-            </a:r>
-            <a:r>
-              <a:rPr lang="ko-KR" altLang="en-US">
-                <a:latin typeface="나눔스퀘어OTF" panose="020B0600000101010101" pitchFamily="34" charset="-127"/>
-                <a:ea typeface="나눔스퀘어OTF" panose="020B0600000101010101" pitchFamily="34" charset="-127"/>
-              </a:rPr>
-              <a:t>화면</a:t>
-            </a:r>
-            <a:endParaRPr lang="ko-KR" altLang="en-US">
-              <a:latin typeface="나눔스퀘어OTF" panose="020B0600000101010101" pitchFamily="34" charset="-127"/>
-              <a:ea typeface="나눔스퀘어OTF" panose="020B0600000101010101" pitchFamily="34" charset="-127"/>
-            </a:endParaRPr>
-          </a:p>
-        </p:txBody>
-      </p:sp>
       <p:graphicFrame>
         <p:nvGraphicFramePr>
           <p:cNvPr id="6" name="표 5"/>
@@ -5033,7 +4995,7 @@
         </p:nvGraphicFramePr>
         <p:xfrm>
           <a:off x="8232336" y="854524"/>
-          <a:ext cx="3679571" cy="2444242"/>
+          <a:ext cx="3679571" cy="2544445"/>
         </p:xfrm>
         <a:graphic>
           <a:graphicData uri="http://schemas.openxmlformats.org/drawingml/2006/table">
@@ -6118,6 +6080,59 @@
           </a:p>
         </p:txBody>
       </p:sp>
+      <p:sp>
+        <p:nvSpPr>
+          <p:cNvPr id="16" name="TextBox 15"/>
+          <p:cNvSpPr txBox="1"/>
+          <p:nvPr/>
+        </p:nvSpPr>
+        <p:spPr>
+          <a:xfrm>
+            <a:off x="2924197" y="195943"/>
+            <a:ext cx="1720343" cy="369332"/>
+          </a:xfrm>
+          <a:prstGeom prst="rect">
+            <a:avLst/>
+          </a:prstGeom>
+          <a:noFill/>
+        </p:spPr>
+        <p:txBody>
+          <a:bodyPr wrap="none" rtlCol="0">
+            <a:spAutoFit/>
+          </a:bodyPr>
+          <a:lstStyle/>
+          <a:p>
+            <a:r>
+              <a:rPr lang="en-US" altLang="ko-KR">
+                <a:latin typeface="나눔스퀘어OTF" panose="020B0600000101010101" pitchFamily="34" charset="-127"/>
+                <a:ea typeface="나눔스퀘어OTF" panose="020B0600000101010101" pitchFamily="34" charset="-127"/>
+              </a:rPr>
+              <a:t>5</a:t>
+            </a:r>
+            <a:r>
+              <a:rPr lang="en-US" altLang="ko-KR" smtClean="0">
+                <a:latin typeface="나눔스퀘어OTF" panose="020B0600000101010101" pitchFamily="34" charset="-127"/>
+                <a:ea typeface="나눔스퀘어OTF" panose="020B0600000101010101" pitchFamily="34" charset="-127"/>
+              </a:rPr>
+              <a:t>-1 </a:t>
+            </a:r>
+            <a:r>
+              <a:rPr lang="ko-KR" altLang="en-US" smtClean="0">
+                <a:latin typeface="나눔스퀘어OTF" panose="020B0600000101010101" pitchFamily="34" charset="-127"/>
+                <a:ea typeface="나눔스퀘어OTF" panose="020B0600000101010101" pitchFamily="34" charset="-127"/>
+              </a:rPr>
+              <a:t>관리자 </a:t>
+            </a:r>
+            <a:r>
+              <a:rPr lang="ko-KR" altLang="en-US">
+                <a:latin typeface="나눔스퀘어OTF" panose="020B0600000101010101" pitchFamily="34" charset="-127"/>
+                <a:ea typeface="나눔스퀘어OTF" panose="020B0600000101010101" pitchFamily="34" charset="-127"/>
+              </a:rPr>
+              <a:t>화면</a:t>
+            </a:r>
+          </a:p>
+        </p:txBody>
+      </p:sp>
     </p:spTree>
     <p:extLst>
       <p:ext uri="{BB962C8B-B14F-4D97-AF65-F5344CB8AC3E}">
@@ -6242,16 +6257,577 @@
           </a:fontRef>
         </p:style>
       </p:cxnSp>
+      <p:graphicFrame>
+        <p:nvGraphicFramePr>
+          <p:cNvPr id="6" name="표 5"/>
+          <p:cNvGraphicFramePr>
+            <a:graphicFrameLocks noGrp="1"/>
+          </p:cNvGraphicFramePr>
+          <p:nvPr>
+            <p:extLst>
+              <p:ext uri="{D42A27DB-BD31-4B8C-83A1-F6EECF244321}">
+                <p14:modId xmlns:p14="http://schemas.microsoft.com/office/powerpoint/2010/main" val="2638532484"/>
+              </p:ext>
+            </p:extLst>
+          </p:nvPr>
+        </p:nvGraphicFramePr>
+        <p:xfrm>
+          <a:off x="8232336" y="854524"/>
+          <a:ext cx="3679571" cy="2228977"/>
+        </p:xfrm>
+        <a:graphic>
+          <a:graphicData uri="http://schemas.openxmlformats.org/drawingml/2006/table">
+            <a:tbl>
+              <a:tblPr/>
+              <a:tblGrid>
+                <a:gridCol w="491998">
+                  <a:extLst>
+                    <a:ext uri="{9D8B030D-6E8A-4147-A177-3AD203B41FA5}">
+                      <a16:colId xmlns:a16="http://schemas.microsoft.com/office/drawing/2014/main" val="1820783413"/>
+                    </a:ext>
+                  </a:extLst>
+                </a:gridCol>
+                <a:gridCol w="3187573">
+                  <a:extLst>
+                    <a:ext uri="{9D8B030D-6E8A-4147-A177-3AD203B41FA5}">
+                      <a16:colId xmlns:a16="http://schemas.microsoft.com/office/drawing/2014/main" val="2980089569"/>
+                    </a:ext>
+                  </a:extLst>
+                </a:gridCol>
+              </a:tblGrid>
+              <a:tr h="486283">
+                <a:tc gridSpan="2">
+                  <a:txBody>
+                    <a:bodyPr/>
+                    <a:lstStyle/>
+                    <a:p>
+                      <a:pPr marL="0" marR="0" indent="0" algn="ctr" fontAlgn="base" latinLnBrk="0">
+                        <a:lnSpc>
+                          <a:spcPct val="100000"/>
+                        </a:lnSpc>
+                        <a:spcBef>
+                          <a:spcPts val="0"/>
+                        </a:spcBef>
+                        <a:spcAft>
+                          <a:spcPts val="0"/>
+                        </a:spcAft>
+                      </a:pPr>
+                      <a:r>
+                        <a:rPr lang="en-US" sz="1400" b="1" kern="0" spc="0" dirty="0">
+                          <a:solidFill>
+                            <a:srgbClr val="000000"/>
+                          </a:solidFill>
+                          <a:effectLst/>
+                          <a:latin typeface="나눔스퀘어OTF_ac ExtraBold" panose="020B0600000101010101" pitchFamily="34" charset="-127"/>
+                          <a:ea typeface="나눔스퀘어OTF_ac ExtraBold" panose="020B0600000101010101" pitchFamily="34" charset="-127"/>
+                        </a:rPr>
+                        <a:t>Function Description</a:t>
+                      </a:r>
+                      <a:endParaRPr lang="en-US" sz="1100" kern="0" spc="0" dirty="0">
+                        <a:solidFill>
+                          <a:srgbClr val="000000"/>
+                        </a:solidFill>
+                        <a:effectLst/>
+                        <a:latin typeface="나눔스퀘어OTF_ac ExtraBold" panose="020B0600000101010101" pitchFamily="34" charset="-127"/>
+                        <a:ea typeface="나눔스퀘어OTF_ac ExtraBold" panose="020B0600000101010101" pitchFamily="34" charset="-127"/>
+                      </a:endParaRPr>
+                    </a:p>
+                  </a:txBody>
+                  <a:tcPr marL="64770" marR="64770" marT="17907" marB="17907" anchor="ctr">
+                    <a:lnL w="3556" cap="flat" cmpd="sng" algn="ctr">
+                      <a:solidFill>
+                        <a:srgbClr val="000000"/>
+                      </a:solidFill>
+                      <a:prstDash val="solid"/>
+                      <a:round/>
+                      <a:headEnd type="none" w="med" len="med"/>
+                      <a:tailEnd type="none" w="med" len="med"/>
+                    </a:lnL>
+                    <a:lnR w="3556" cap="flat" cmpd="sng" algn="ctr">
+                      <a:solidFill>
+                        <a:srgbClr val="000000"/>
+                      </a:solidFill>
+                      <a:prstDash val="solid"/>
+                      <a:round/>
+                      <a:headEnd type="none" w="med" len="med"/>
+                      <a:tailEnd type="none" w="med" len="med"/>
+                    </a:lnR>
+                    <a:lnT w="3556" cap="flat" cmpd="sng" algn="ctr">
+                      <a:solidFill>
+                        <a:srgbClr val="000000"/>
+                      </a:solidFill>
+                      <a:prstDash val="solid"/>
+                      <a:round/>
+                      <a:headEnd type="none" w="med" len="med"/>
+                      <a:tailEnd type="none" w="med" len="med"/>
+                    </a:lnT>
+                    <a:lnB w="3556" cap="flat" cmpd="sng" algn="ctr">
+                      <a:solidFill>
+                        <a:srgbClr val="000000"/>
+                      </a:solidFill>
+                      <a:prstDash val="solid"/>
+                      <a:round/>
+                      <a:headEnd type="none" w="med" len="med"/>
+                      <a:tailEnd type="none" w="med" len="med"/>
+                    </a:lnB>
+                    <a:solidFill>
+                      <a:srgbClr val="D9D9D9"/>
+                    </a:solidFill>
+                  </a:tcPr>
+                </a:tc>
+                <a:tc hMerge="1">
+                  <a:txBody>
+                    <a:bodyPr/>
+                    <a:lstStyle/>
+                    <a:p>
+                      <a:pPr latinLnBrk="1"/>
+                      <a:endParaRPr lang="ko-KR" altLang="en-US"/>
+                    </a:p>
+                  </a:txBody>
+                  <a:tcPr/>
+                </a:tc>
+                <a:extLst>
+                  <a:ext uri="{0D108BD9-81ED-4DB2-BD59-A6C34878D82A}">
+                    <a16:rowId xmlns:a16="http://schemas.microsoft.com/office/drawing/2014/main" val="736605788"/>
+                  </a:ext>
+                </a:extLst>
+              </a:tr>
+              <a:tr h="342519">
+                <a:tc>
+                  <a:txBody>
+                    <a:bodyPr/>
+                    <a:lstStyle/>
+                    <a:p>
+                      <a:pPr marL="0" marR="0" indent="0" algn="ctr" fontAlgn="base" latinLnBrk="0">
+                        <a:lnSpc>
+                          <a:spcPct val="160000"/>
+                        </a:lnSpc>
+                        <a:spcBef>
+                          <a:spcPts val="0"/>
+                        </a:spcBef>
+                        <a:spcAft>
+                          <a:spcPts val="0"/>
+                        </a:spcAft>
+                      </a:pPr>
+                      <a:r>
+                        <a:rPr lang="en-US" altLang="ko-KR" sz="1000" kern="0" spc="0" smtClean="0">
+                          <a:solidFill>
+                            <a:srgbClr val="000000"/>
+                          </a:solidFill>
+                          <a:effectLst/>
+                          <a:latin typeface="함초롬바탕" panose="02030604000101010101" pitchFamily="18" charset="-127"/>
+                        </a:rPr>
+                        <a:t>1</a:t>
+                      </a:r>
+                      <a:endParaRPr lang="ko-KR" altLang="en-US" sz="1000" kern="0" spc="0" dirty="0">
+                        <a:solidFill>
+                          <a:srgbClr val="000000"/>
+                        </a:solidFill>
+                        <a:effectLst/>
+                        <a:latin typeface="함초롬바탕" panose="02030604000101010101" pitchFamily="18" charset="-127"/>
+                      </a:endParaRPr>
+                    </a:p>
+                  </a:txBody>
+                  <a:tcPr marL="64770" marR="64770" marT="17907" marB="17907" anchor="ctr">
+                    <a:lnL w="3556" cap="flat" cmpd="sng" algn="ctr">
+                      <a:solidFill>
+                        <a:srgbClr val="000000"/>
+                      </a:solidFill>
+                      <a:prstDash val="solid"/>
+                      <a:round/>
+                      <a:headEnd type="none" w="med" len="med"/>
+                      <a:tailEnd type="none" w="med" len="med"/>
+                    </a:lnL>
+                    <a:lnR w="3556" cap="flat" cmpd="sng" algn="ctr">
+                      <a:solidFill>
+                        <a:srgbClr val="000000"/>
+                      </a:solidFill>
+                      <a:prstDash val="solid"/>
+                      <a:round/>
+                      <a:headEnd type="none" w="med" len="med"/>
+                      <a:tailEnd type="none" w="med" len="med"/>
+                    </a:lnR>
+                    <a:lnT w="3556" cap="flat" cmpd="sng" algn="ctr">
+                      <a:solidFill>
+                        <a:srgbClr val="000000"/>
+                      </a:solidFill>
+                      <a:prstDash val="solid"/>
+                      <a:round/>
+                      <a:headEnd type="none" w="med" len="med"/>
+                      <a:tailEnd type="none" w="med" len="med"/>
+                    </a:lnT>
+                    <a:lnB w="3556" cap="flat" cmpd="sng" algn="ctr">
+                      <a:solidFill>
+                        <a:srgbClr val="000000"/>
+                      </a:solidFill>
+                      <a:prstDash val="solid"/>
+                      <a:round/>
+                      <a:headEnd type="none" w="med" len="med"/>
+                      <a:tailEnd type="none" w="med" len="med"/>
+                    </a:lnB>
+                  </a:tcPr>
+                </a:tc>
+                <a:tc>
+                  <a:txBody>
+                    <a:bodyPr/>
+                    <a:lstStyle/>
+                    <a:p>
+                      <a:pPr marL="0" marR="0" indent="0" algn="l" defTabSz="914400" rtl="0" eaLnBrk="1" fontAlgn="base" latinLnBrk="0" hangingPunct="1">
+                        <a:lnSpc>
+                          <a:spcPct val="160000"/>
+                        </a:lnSpc>
+                        <a:spcBef>
+                          <a:spcPts val="0"/>
+                        </a:spcBef>
+                        <a:spcAft>
+                          <a:spcPts val="0"/>
+                        </a:spcAft>
+                        <a:buClrTx/>
+                        <a:buSzTx/>
+                        <a:buFontTx/>
+                        <a:buNone/>
+                        <a:tabLst/>
+                        <a:defRPr/>
+                      </a:pPr>
+                      <a:r>
+                        <a:rPr lang="ko-KR" altLang="en-US" sz="1000" kern="0" spc="0" smtClean="0">
+                          <a:solidFill>
+                            <a:srgbClr val="000000"/>
+                          </a:solidFill>
+                          <a:effectLst/>
+                          <a:latin typeface="함초롬바탕" panose="02030604000101010101" pitchFamily="18" charset="-127"/>
+                        </a:rPr>
+                        <a:t>관리자관리</a:t>
+                      </a:r>
+                      <a:r>
+                        <a:rPr lang="en-US" altLang="ko-KR" sz="1000" kern="0" spc="0" smtClean="0">
+                          <a:solidFill>
+                            <a:srgbClr val="000000"/>
+                          </a:solidFill>
+                          <a:effectLst/>
+                          <a:latin typeface="함초롬바탕" panose="02030604000101010101" pitchFamily="18" charset="-127"/>
+                        </a:rPr>
+                        <a:t>, </a:t>
+                      </a:r>
+                      <a:r>
+                        <a:rPr lang="ko-KR" altLang="en-US" sz="1000" kern="0" spc="0" smtClean="0">
+                          <a:solidFill>
+                            <a:srgbClr val="000000"/>
+                          </a:solidFill>
+                          <a:effectLst/>
+                          <a:latin typeface="함초롬바탕" panose="02030604000101010101" pitchFamily="18" charset="-127"/>
+                        </a:rPr>
+                        <a:t>회원관리 메뉴는 </a:t>
+                      </a:r>
+                      <a:r>
+                        <a:rPr lang="en-US" altLang="ko-KR" sz="1000" kern="0" spc="0" smtClean="0">
+                          <a:solidFill>
+                            <a:srgbClr val="000000"/>
+                          </a:solidFill>
+                          <a:effectLst/>
+                          <a:latin typeface="함초롬바탕" panose="02030604000101010101" pitchFamily="18" charset="-127"/>
+                        </a:rPr>
+                        <a:t>ADMIN </a:t>
+                      </a:r>
+                      <a:r>
+                        <a:rPr lang="ko-KR" altLang="en-US" sz="1000" kern="0" spc="0" smtClean="0">
+                          <a:solidFill>
+                            <a:srgbClr val="000000"/>
+                          </a:solidFill>
+                          <a:effectLst/>
+                          <a:latin typeface="함초롬바탕" panose="02030604000101010101" pitchFamily="18" charset="-127"/>
+                        </a:rPr>
+                        <a:t>권한을 가진 관리자만 접근할 수 있도록 해당 페이지에 접근할 수 있는 권한을 설정을 하여</a:t>
+                      </a:r>
+                      <a:r>
+                        <a:rPr lang="en-US" altLang="ko-KR" sz="1000" kern="0" spc="0" smtClean="0">
+                          <a:solidFill>
+                            <a:srgbClr val="000000"/>
+                          </a:solidFill>
+                          <a:effectLst/>
+                          <a:latin typeface="함초롬바탕" panose="02030604000101010101" pitchFamily="18" charset="-127"/>
+                        </a:rPr>
+                        <a:t>, MANAGER </a:t>
+                      </a:r>
+                      <a:r>
+                        <a:rPr lang="ko-KR" altLang="en-US" sz="1000" kern="0" spc="0" smtClean="0">
+                          <a:solidFill>
+                            <a:srgbClr val="000000"/>
+                          </a:solidFill>
+                          <a:effectLst/>
+                          <a:latin typeface="함초롬바탕" panose="02030604000101010101" pitchFamily="18" charset="-127"/>
+                        </a:rPr>
+                        <a:t>권한을 가진 관리자가 해당 메뉴들에 접근을 시도할 시 </a:t>
+                      </a:r>
+                      <a:r>
+                        <a:rPr lang="en-US" altLang="ko-KR" sz="1000" kern="1200" smtClean="0">
+                          <a:solidFill>
+                            <a:schemeClr val="tx1"/>
+                          </a:solidFill>
+                          <a:effectLst/>
+                          <a:latin typeface="+mn-lt"/>
+                          <a:ea typeface="+mn-ea"/>
+                          <a:cs typeface="+mn-cs"/>
+                        </a:rPr>
+                        <a:t>accessDeniedHandler</a:t>
+                      </a:r>
+                      <a:r>
+                        <a:rPr lang="ko-KR" altLang="en-US" sz="1000" kern="1200" smtClean="0">
+                          <a:solidFill>
+                            <a:schemeClr val="tx1"/>
+                          </a:solidFill>
+                          <a:effectLst/>
+                          <a:latin typeface="+mn-lt"/>
+                          <a:ea typeface="+mn-ea"/>
+                          <a:cs typeface="+mn-cs"/>
+                        </a:rPr>
+                        <a:t>를 통해 해당 메시지를 출력하고 </a:t>
+                      </a:r>
+                      <a:r>
+                        <a:rPr lang="en-US" altLang="ko-KR" sz="1000" kern="1200" smtClean="0">
+                          <a:solidFill>
+                            <a:schemeClr val="tx1"/>
+                          </a:solidFill>
+                          <a:effectLst/>
+                          <a:latin typeface="+mn-lt"/>
+                          <a:ea typeface="+mn-ea"/>
+                          <a:cs typeface="+mn-cs"/>
+                        </a:rPr>
+                        <a:t>access</a:t>
+                      </a:r>
+                      <a:r>
+                        <a:rPr lang="ko-KR" altLang="en-US" sz="1000" kern="1200" smtClean="0">
+                          <a:solidFill>
+                            <a:schemeClr val="tx1"/>
+                          </a:solidFill>
+                          <a:effectLst/>
+                          <a:latin typeface="+mn-lt"/>
+                          <a:ea typeface="+mn-ea"/>
+                          <a:cs typeface="+mn-cs"/>
+                        </a:rPr>
+                        <a:t>를 거부합니다</a:t>
+                      </a:r>
+                      <a:r>
+                        <a:rPr lang="en-US" altLang="ko-KR" sz="1000" kern="1200" smtClean="0">
+                          <a:solidFill>
+                            <a:schemeClr val="tx1"/>
+                          </a:solidFill>
+                          <a:effectLst/>
+                          <a:latin typeface="+mn-lt"/>
+                          <a:ea typeface="+mn-ea"/>
+                          <a:cs typeface="+mn-cs"/>
+                        </a:rPr>
+                        <a:t>.</a:t>
+                      </a:r>
+                    </a:p>
+                    <a:p>
+                      <a:pPr marL="0" marR="0" indent="0" algn="l" fontAlgn="base" latinLnBrk="0">
+                        <a:lnSpc>
+                          <a:spcPct val="160000"/>
+                        </a:lnSpc>
+                        <a:spcBef>
+                          <a:spcPts val="0"/>
+                        </a:spcBef>
+                        <a:spcAft>
+                          <a:spcPts val="0"/>
+                        </a:spcAft>
+                      </a:pPr>
+                      <a:r>
+                        <a:rPr lang="ko-KR" altLang="en-US" sz="1000" kern="0" spc="0" smtClean="0">
+                          <a:solidFill>
+                            <a:srgbClr val="000000"/>
+                          </a:solidFill>
+                          <a:effectLst/>
+                          <a:latin typeface="함초롬바탕" panose="02030604000101010101" pitchFamily="18" charset="-127"/>
+                        </a:rPr>
+                        <a:t> </a:t>
+                      </a:r>
+                      <a:endParaRPr lang="ko-KR" altLang="en-US" sz="1000" kern="0" spc="0" dirty="0">
+                        <a:solidFill>
+                          <a:srgbClr val="000000"/>
+                        </a:solidFill>
+                        <a:effectLst/>
+                        <a:latin typeface="함초롬바탕" panose="02030604000101010101" pitchFamily="18" charset="-127"/>
+                      </a:endParaRPr>
+                    </a:p>
+                  </a:txBody>
+                  <a:tcPr marL="64770" marR="64770" marT="17907" marB="17907" anchor="ctr">
+                    <a:lnL w="3556" cap="flat" cmpd="sng" algn="ctr">
+                      <a:solidFill>
+                        <a:srgbClr val="000000"/>
+                      </a:solidFill>
+                      <a:prstDash val="solid"/>
+                      <a:round/>
+                      <a:headEnd type="none" w="med" len="med"/>
+                      <a:tailEnd type="none" w="med" len="med"/>
+                    </a:lnL>
+                    <a:lnR w="3556" cap="flat" cmpd="sng" algn="ctr">
+                      <a:solidFill>
+                        <a:srgbClr val="000000"/>
+                      </a:solidFill>
+                      <a:prstDash val="solid"/>
+                      <a:round/>
+                      <a:headEnd type="none" w="med" len="med"/>
+                      <a:tailEnd type="none" w="med" len="med"/>
+                    </a:lnR>
+                    <a:lnT w="3556" cap="flat" cmpd="sng" algn="ctr">
+                      <a:solidFill>
+                        <a:srgbClr val="000000"/>
+                      </a:solidFill>
+                      <a:prstDash val="solid"/>
+                      <a:round/>
+                      <a:headEnd type="none" w="med" len="med"/>
+                      <a:tailEnd type="none" w="med" len="med"/>
+                    </a:lnT>
+                    <a:lnB w="3556" cap="flat" cmpd="sng" algn="ctr">
+                      <a:solidFill>
+                        <a:srgbClr val="000000"/>
+                      </a:solidFill>
+                      <a:prstDash val="solid"/>
+                      <a:round/>
+                      <a:headEnd type="none" w="med" len="med"/>
+                      <a:tailEnd type="none" w="med" len="med"/>
+                    </a:lnB>
+                  </a:tcPr>
+                </a:tc>
+                <a:extLst>
+                  <a:ext uri="{0D108BD9-81ED-4DB2-BD59-A6C34878D82A}">
+                    <a16:rowId xmlns:a16="http://schemas.microsoft.com/office/drawing/2014/main" val="8183786"/>
+                  </a:ext>
+                </a:extLst>
+              </a:tr>
+            </a:tbl>
+          </a:graphicData>
+        </a:graphic>
+      </p:graphicFrame>
+      <p:pic>
+        <p:nvPicPr>
+          <p:cNvPr id="7" name="그림 6"/>
+          <p:cNvPicPr>
+            <a:picLocks noChangeAspect="1"/>
+          </p:cNvPicPr>
+          <p:nvPr/>
+        </p:nvPicPr>
+        <p:blipFill>
+          <a:blip r:embed="rId2">
+            <a:extLst>
+              <a:ext uri="{28A0092B-C50C-407E-A947-70E740481C1C}">
+                <a14:useLocalDpi xmlns:a14="http://schemas.microsoft.com/office/drawing/2010/main" val="0"/>
+              </a:ext>
+            </a:extLst>
+          </a:blip>
+          <a:stretch>
+            <a:fillRect/>
+          </a:stretch>
+        </p:blipFill>
+        <p:spPr>
+          <a:xfrm>
+            <a:off x="122637" y="908576"/>
+            <a:ext cx="7901690" cy="2108718"/>
+          </a:xfrm>
+          <a:prstGeom prst="rect">
+            <a:avLst/>
+          </a:prstGeom>
+        </p:spPr>
+      </p:pic>
       <p:sp>
         <p:nvSpPr>
-          <p:cNvPr id="5" name="TextBox 4"/>
+          <p:cNvPr id="10" name="TextBox 9"/>
+          <p:cNvSpPr txBox="1"/>
+          <p:nvPr/>
+        </p:nvSpPr>
+        <p:spPr>
+          <a:xfrm>
+            <a:off x="203907" y="1977317"/>
+            <a:ext cx="429208" cy="369332"/>
+          </a:xfrm>
+          <a:prstGeom prst="rect">
+            <a:avLst/>
+          </a:prstGeom>
+          <a:noFill/>
+        </p:spPr>
+        <p:txBody>
+          <a:bodyPr wrap="square" rtlCol="0">
+            <a:spAutoFit/>
+          </a:bodyPr>
+          <a:lstStyle/>
+          <a:p>
+            <a:r>
+              <a:rPr lang="en-US" altLang="ko-KR" smtClean="0">
+                <a:solidFill>
+                  <a:srgbClr val="FF0000"/>
+                </a:solidFill>
+                <a:latin typeface="나눔스퀘어OTF" panose="020B0600000101010101" pitchFamily="34" charset="-127"/>
+                <a:ea typeface="나눔스퀘어OTF" panose="020B0600000101010101" pitchFamily="34" charset="-127"/>
+              </a:rPr>
+              <a:t>①</a:t>
+            </a:r>
+            <a:endParaRPr lang="ko-KR" altLang="en-US">
+              <a:solidFill>
+                <a:srgbClr val="FF0000"/>
+              </a:solidFill>
+              <a:latin typeface="나눔스퀘어OTF" panose="020B0600000101010101" pitchFamily="34" charset="-127"/>
+              <a:ea typeface="나눔스퀘어OTF" panose="020B0600000101010101" pitchFamily="34" charset="-127"/>
+            </a:endParaRPr>
+          </a:p>
+        </p:txBody>
+      </p:sp>
+      <p:sp>
+        <p:nvSpPr>
+          <p:cNvPr id="11" name="직사각형 10"/>
+          <p:cNvSpPr/>
+          <p:nvPr/>
+        </p:nvSpPr>
+        <p:spPr>
+          <a:xfrm>
+            <a:off x="633115" y="1894114"/>
+            <a:ext cx="3043146" cy="452535"/>
+          </a:xfrm>
+          <a:prstGeom prst="rect">
+            <a:avLst/>
+          </a:prstGeom>
+          <a:noFill/>
+          <a:ln w="28575">
+            <a:solidFill>
+              <a:srgbClr val="FF0000"/>
+            </a:solidFill>
+          </a:ln>
+        </p:spPr>
+        <p:style>
+          <a:lnRef idx="2">
+            <a:schemeClr val="accent1">
+              <a:shade val="50000"/>
+            </a:schemeClr>
+          </a:lnRef>
+          <a:fillRef idx="1">
+            <a:schemeClr val="accent1"/>
+          </a:fillRef>
+          <a:effectRef idx="0">
+            <a:schemeClr val="accent1"/>
+          </a:effectRef>
+          <a:fontRef idx="minor">
+            <a:schemeClr val="lt1"/>
+          </a:fontRef>
+        </p:style>
+        <p:txBody>
+          <a:bodyPr rtlCol="0" anchor="ctr"/>
+          <a:lstStyle/>
+          <a:p>
+            <a:pPr algn="ctr"/>
+            <a:endParaRPr lang="ko-KR" altLang="en-US"/>
+          </a:p>
+        </p:txBody>
+      </p:sp>
+      <p:sp>
+        <p:nvSpPr>
+          <p:cNvPr id="9" name="TextBox 8"/>
           <p:cNvSpPr txBox="1"/>
           <p:nvPr/>
         </p:nvSpPr>
         <p:spPr>
           <a:xfrm>
             <a:off x="2924197" y="195943"/>
-            <a:ext cx="1778051" cy="369332"/>
+            <a:ext cx="1720343" cy="369332"/>
           </a:xfrm>
           <a:prstGeom prst="rect">
             <a:avLst/>
@@ -6269,7 +6845,14 @@
                 <a:latin typeface="나눔스퀘어OTF" panose="020B0600000101010101" pitchFamily="34" charset="-127"/>
                 <a:ea typeface="나눔스퀘어OTF" panose="020B0600000101010101" pitchFamily="34" charset="-127"/>
               </a:rPr>
-              <a:t>4-1 </a:t>
+              <a:t>5</a:t>
+            </a:r>
+            <a:r>
+              <a:rPr lang="en-US" altLang="ko-KR" smtClean="0">
+                <a:latin typeface="나눔스퀘어OTF" panose="020B0600000101010101" pitchFamily="34" charset="-127"/>
+                <a:ea typeface="나눔스퀘어OTF" panose="020B0600000101010101" pitchFamily="34" charset="-127"/>
+              </a:rPr>
+              <a:t>-1 </a:t>
             </a:r>
             <a:r>
               <a:rPr lang="ko-KR" altLang="en-US" smtClean="0">
@@ -6285,13 +6868,133 @@
               </a:rPr>
               <a:t>화면</a:t>
             </a:r>
-            <a:endParaRPr lang="ko-KR" altLang="en-US">
-              <a:latin typeface="나눔스퀘어OTF" panose="020B0600000101010101" pitchFamily="34" charset="-127"/>
-              <a:ea typeface="나눔스퀘어OTF" panose="020B0600000101010101" pitchFamily="34" charset="-127"/>
-            </a:endParaRPr>
           </a:p>
         </p:txBody>
       </p:sp>
+    </p:spTree>
+    <p:extLst>
+      <p:ext uri="{BB962C8B-B14F-4D97-AF65-F5344CB8AC3E}">
+        <p14:creationId xmlns:p14="http://schemas.microsoft.com/office/powerpoint/2010/main" val="1297726858"/>
+      </p:ext>
+    </p:extLst>
+  </p:cSld>
+  <p:clrMapOvr>
+    <a:masterClrMapping/>
+  </p:clrMapOvr>
+</p:sld>
+</file>
+
+<file path=ppt/slides/slide15.xml><?xml version="1.0" encoding="utf-8"?>
+<p:sld xmlns:a="http://schemas.openxmlformats.org/drawingml/2006/main" xmlns:r="http://schemas.openxmlformats.org/officeDocument/2006/relationships" xmlns:p="http://schemas.openxmlformats.org/presentationml/2006/main">
+  <p:cSld>
+    <p:spTree>
+      <p:nvGrpSpPr>
+        <p:cNvPr id="1" name=""/>
+        <p:cNvGrpSpPr/>
+        <p:nvPr/>
+      </p:nvGrpSpPr>
+      <p:grpSpPr>
+        <a:xfrm>
+          <a:off x="0" y="0"/>
+          <a:ext cx="0" cy="0"/>
+          <a:chOff x="0" y="0"/>
+          <a:chExt cx="0" cy="0"/>
+        </a:xfrm>
+      </p:grpSpPr>
+      <p:sp>
+        <p:nvSpPr>
+          <p:cNvPr id="2" name="TextBox 1"/>
+          <p:cNvSpPr txBox="1"/>
+          <p:nvPr/>
+        </p:nvSpPr>
+        <p:spPr>
+          <a:xfrm>
+            <a:off x="177282" y="195943"/>
+            <a:ext cx="2491273" cy="369332"/>
+          </a:xfrm>
+          <a:prstGeom prst="rect">
+            <a:avLst/>
+          </a:prstGeom>
+          <a:noFill/>
+        </p:spPr>
+        <p:txBody>
+          <a:bodyPr wrap="square" rtlCol="0">
+            <a:spAutoFit/>
+          </a:bodyPr>
+          <a:lstStyle/>
+          <a:p>
+            <a:r>
+              <a:rPr lang="en-US" altLang="ko-KR" smtClean="0">
+                <a:latin typeface="나눔스퀘어 네오 OTF Bold" panose="00000800000000000000" pitchFamily="50" charset="-127"/>
+                <a:ea typeface="나눔스퀘어 네오 OTF Bold" panose="00000800000000000000" pitchFamily="50" charset="-127"/>
+              </a:rPr>
+              <a:t>Ⅳ. </a:t>
+            </a:r>
+            <a:r>
+              <a:rPr lang="en-US" altLang="ko-KR">
+                <a:latin typeface="나눔스퀘어 네오 OTF Bold" panose="00000800000000000000" pitchFamily="50" charset="-127"/>
+                <a:ea typeface="나눔스퀘어 네오 OTF Bold" panose="00000800000000000000" pitchFamily="50" charset="-127"/>
+              </a:rPr>
+              <a:t>Project</a:t>
+            </a:r>
+            <a:r>
+              <a:rPr lang="ko-KR" altLang="en-US">
+                <a:latin typeface="나눔스퀘어 네오 OTF Bold" panose="00000800000000000000" pitchFamily="50" charset="-127"/>
+                <a:ea typeface="나눔스퀘어 네오 OTF Bold" panose="00000800000000000000" pitchFamily="50" charset="-127"/>
+              </a:rPr>
+              <a:t> </a:t>
+            </a:r>
+            <a:r>
+              <a:rPr lang="ko-KR" altLang="en-US" smtClean="0">
+                <a:latin typeface="나눔스퀘어 네오 OTF Bold" panose="00000800000000000000" pitchFamily="50" charset="-127"/>
+                <a:ea typeface="나눔스퀘어 네오 OTF Bold" panose="00000800000000000000" pitchFamily="50" charset="-127"/>
+              </a:rPr>
+              <a:t>실행 화면</a:t>
+            </a:r>
+            <a:endParaRPr lang="en-US" altLang="ko-KR">
+              <a:latin typeface="나눔스퀘어 네오 OTF Bold" panose="00000800000000000000" pitchFamily="50" charset="-127"/>
+              <a:ea typeface="나눔스퀘어 네오 OTF Bold" panose="00000800000000000000" pitchFamily="50" charset="-127"/>
+            </a:endParaRPr>
+          </a:p>
+        </p:txBody>
+      </p:sp>
+      <p:cxnSp>
+        <p:nvCxnSpPr>
+          <p:cNvPr id="3" name="직선 연결선 2"/>
+          <p:cNvCxnSpPr/>
+          <p:nvPr/>
+        </p:nvCxnSpPr>
+        <p:spPr>
+          <a:xfrm>
+            <a:off x="2687216" y="195943"/>
+            <a:ext cx="0" cy="369332"/>
+          </a:xfrm>
+          <a:prstGeom prst="line">
+            <a:avLst/>
+          </a:prstGeom>
+          <a:ln w="19050">
+            <a:solidFill>
+              <a:schemeClr val="bg1">
+                <a:lumMod val="50000"/>
+              </a:schemeClr>
+            </a:solidFill>
+          </a:ln>
+        </p:spPr>
+        <p:style>
+          <a:lnRef idx="1">
+            <a:schemeClr val="accent1"/>
+          </a:lnRef>
+          <a:fillRef idx="0">
+            <a:schemeClr val="accent1"/>
+          </a:fillRef>
+          <a:effectRef idx="0">
+            <a:schemeClr val="accent1"/>
+          </a:effectRef>
+          <a:fontRef idx="minor">
+            <a:schemeClr val="tx1"/>
+          </a:fontRef>
+        </p:style>
+      </p:cxnSp>
       <p:graphicFrame>
         <p:nvGraphicFramePr>
           <p:cNvPr id="6" name="표 5"/>
@@ -6308,7 +7011,7 @@
         </p:nvGraphicFramePr>
         <p:xfrm>
           <a:off x="8232336" y="854524"/>
-          <a:ext cx="3679571" cy="3034538"/>
+          <a:ext cx="3679571" cy="3067939"/>
         </p:xfrm>
         <a:graphic>
           <a:graphicData uri="http://schemas.openxmlformats.org/drawingml/2006/table">
@@ -7529,6 +8232,59 @@
           </a:p>
         </p:txBody>
       </p:sp>
+      <p:sp>
+        <p:nvSpPr>
+          <p:cNvPr id="19" name="TextBox 18"/>
+          <p:cNvSpPr txBox="1"/>
+          <p:nvPr/>
+        </p:nvSpPr>
+        <p:spPr>
+          <a:xfrm>
+            <a:off x="2924197" y="195943"/>
+            <a:ext cx="1720343" cy="369332"/>
+          </a:xfrm>
+          <a:prstGeom prst="rect">
+            <a:avLst/>
+          </a:prstGeom>
+          <a:noFill/>
+        </p:spPr>
+        <p:txBody>
+          <a:bodyPr wrap="none" rtlCol="0">
+            <a:spAutoFit/>
+          </a:bodyPr>
+          <a:lstStyle/>
+          <a:p>
+            <a:r>
+              <a:rPr lang="en-US" altLang="ko-KR">
+                <a:latin typeface="나눔스퀘어OTF" panose="020B0600000101010101" pitchFamily="34" charset="-127"/>
+                <a:ea typeface="나눔스퀘어OTF" panose="020B0600000101010101" pitchFamily="34" charset="-127"/>
+              </a:rPr>
+              <a:t>5</a:t>
+            </a:r>
+            <a:r>
+              <a:rPr lang="en-US" altLang="ko-KR" smtClean="0">
+                <a:latin typeface="나눔스퀘어OTF" panose="020B0600000101010101" pitchFamily="34" charset="-127"/>
+                <a:ea typeface="나눔스퀘어OTF" panose="020B0600000101010101" pitchFamily="34" charset="-127"/>
+              </a:rPr>
+              <a:t>-1 </a:t>
+            </a:r>
+            <a:r>
+              <a:rPr lang="ko-KR" altLang="en-US" smtClean="0">
+                <a:latin typeface="나눔스퀘어OTF" panose="020B0600000101010101" pitchFamily="34" charset="-127"/>
+                <a:ea typeface="나눔스퀘어OTF" panose="020B0600000101010101" pitchFamily="34" charset="-127"/>
+              </a:rPr>
+              <a:t>관리자 </a:t>
+            </a:r>
+            <a:r>
+              <a:rPr lang="ko-KR" altLang="en-US">
+                <a:latin typeface="나눔스퀘어OTF" panose="020B0600000101010101" pitchFamily="34" charset="-127"/>
+                <a:ea typeface="나눔스퀘어OTF" panose="020B0600000101010101" pitchFamily="34" charset="-127"/>
+              </a:rPr>
+              <a:t>화면</a:t>
+            </a:r>
+          </a:p>
+        </p:txBody>
+      </p:sp>
     </p:spTree>
     <p:extLst>
       <p:ext uri="{BB962C8B-B14F-4D97-AF65-F5344CB8AC3E}">
@@ -7542,7 +8298,7 @@
 </p:sld>
 </file>
 
-<file path=ppt/slides/slide15.xml><?xml version="1.0" encoding="utf-8"?>
+<file path=ppt/slides/slide16.xml><?xml version="1.0" encoding="utf-8"?>
 <p:sld xmlns:a="http://schemas.openxmlformats.org/drawingml/2006/main" xmlns:r="http://schemas.openxmlformats.org/officeDocument/2006/relationships" xmlns:p="http://schemas.openxmlformats.org/presentationml/2006/main">
   <p:cSld>
     <p:spTree>
@@ -7653,56 +8409,6 @@
           </a:fontRef>
         </p:style>
       </p:cxnSp>
-      <p:sp>
-        <p:nvSpPr>
-          <p:cNvPr id="5" name="TextBox 4"/>
-          <p:cNvSpPr txBox="1"/>
-          <p:nvPr/>
-        </p:nvSpPr>
-        <p:spPr>
-          <a:xfrm>
-            <a:off x="2924197" y="195943"/>
-            <a:ext cx="1778051" cy="369332"/>
-          </a:xfrm>
-          <a:prstGeom prst="rect">
-            <a:avLst/>
-          </a:prstGeom>
-          <a:noFill/>
-        </p:spPr>
-        <p:txBody>
-          <a:bodyPr wrap="none" rtlCol="0">
-            <a:spAutoFit/>
-          </a:bodyPr>
-          <a:lstStyle/>
-          <a:p>
-            <a:r>
-              <a:rPr lang="en-US" altLang="ko-KR">
-                <a:latin typeface="나눔스퀘어OTF" panose="020B0600000101010101" pitchFamily="34" charset="-127"/>
-                <a:ea typeface="나눔스퀘어OTF" panose="020B0600000101010101" pitchFamily="34" charset="-127"/>
-              </a:rPr>
-              <a:t>4-1 </a:t>
-            </a:r>
-            <a:r>
-              <a:rPr lang="ko-KR" altLang="en-US" smtClean="0">
-                <a:latin typeface="나눔스퀘어OTF" panose="020B0600000101010101" pitchFamily="34" charset="-127"/>
-                <a:ea typeface="나눔스퀘어OTF" panose="020B0600000101010101" pitchFamily="34" charset="-127"/>
-              </a:rPr>
-              <a:t>관리자 </a:t>
-            </a:r>
-            <a:r>
-              <a:rPr lang="ko-KR" altLang="en-US">
-                <a:latin typeface="나눔스퀘어OTF" panose="020B0600000101010101" pitchFamily="34" charset="-127"/>
-                <a:ea typeface="나눔스퀘어OTF" panose="020B0600000101010101" pitchFamily="34" charset="-127"/>
-              </a:rPr>
-              <a:t>화면</a:t>
-            </a:r>
-            <a:endParaRPr lang="ko-KR" altLang="en-US">
-              <a:latin typeface="나눔스퀘어OTF" panose="020B0600000101010101" pitchFamily="34" charset="-127"/>
-              <a:ea typeface="나눔스퀘어OTF" panose="020B0600000101010101" pitchFamily="34" charset="-127"/>
-            </a:endParaRPr>
-          </a:p>
-        </p:txBody>
-      </p:sp>
       <p:graphicFrame>
         <p:nvGraphicFramePr>
           <p:cNvPr id="6" name="표 5"/>
@@ -8468,6 +9174,59 @@
           </a:p>
         </p:txBody>
       </p:sp>
+      <p:sp>
+        <p:nvSpPr>
+          <p:cNvPr id="14" name="TextBox 13"/>
+          <p:cNvSpPr txBox="1"/>
+          <p:nvPr/>
+        </p:nvSpPr>
+        <p:spPr>
+          <a:xfrm>
+            <a:off x="2924197" y="195943"/>
+            <a:ext cx="1720343" cy="369332"/>
+          </a:xfrm>
+          <a:prstGeom prst="rect">
+            <a:avLst/>
+          </a:prstGeom>
+          <a:noFill/>
+        </p:spPr>
+        <p:txBody>
+          <a:bodyPr wrap="none" rtlCol="0">
+            <a:spAutoFit/>
+          </a:bodyPr>
+          <a:lstStyle/>
+          <a:p>
+            <a:r>
+              <a:rPr lang="en-US" altLang="ko-KR">
+                <a:latin typeface="나눔스퀘어OTF" panose="020B0600000101010101" pitchFamily="34" charset="-127"/>
+                <a:ea typeface="나눔스퀘어OTF" panose="020B0600000101010101" pitchFamily="34" charset="-127"/>
+              </a:rPr>
+              <a:t>5</a:t>
+            </a:r>
+            <a:r>
+              <a:rPr lang="en-US" altLang="ko-KR" smtClean="0">
+                <a:latin typeface="나눔스퀘어OTF" panose="020B0600000101010101" pitchFamily="34" charset="-127"/>
+                <a:ea typeface="나눔스퀘어OTF" panose="020B0600000101010101" pitchFamily="34" charset="-127"/>
+              </a:rPr>
+              <a:t>-1 </a:t>
+            </a:r>
+            <a:r>
+              <a:rPr lang="ko-KR" altLang="en-US" smtClean="0">
+                <a:latin typeface="나눔스퀘어OTF" panose="020B0600000101010101" pitchFamily="34" charset="-127"/>
+                <a:ea typeface="나눔스퀘어OTF" panose="020B0600000101010101" pitchFamily="34" charset="-127"/>
+              </a:rPr>
+              <a:t>관리자 </a:t>
+            </a:r>
+            <a:r>
+              <a:rPr lang="ko-KR" altLang="en-US">
+                <a:latin typeface="나눔스퀘어OTF" panose="020B0600000101010101" pitchFamily="34" charset="-127"/>
+                <a:ea typeface="나눔스퀘어OTF" panose="020B0600000101010101" pitchFamily="34" charset="-127"/>
+              </a:rPr>
+              <a:t>화면</a:t>
+            </a:r>
+          </a:p>
+        </p:txBody>
+      </p:sp>
     </p:spTree>
     <p:extLst>
       <p:ext uri="{BB962C8B-B14F-4D97-AF65-F5344CB8AC3E}">
@@ -8481,7 +9240,1185 @@
 </p:sld>
 </file>
 
-<file path=ppt/slides/slide16.xml><?xml version="1.0" encoding="utf-8"?>
+<file path=ppt/slides/slide17.xml><?xml version="1.0" encoding="utf-8"?>
+<p:sld xmlns:a="http://schemas.openxmlformats.org/drawingml/2006/main" xmlns:r="http://schemas.openxmlformats.org/officeDocument/2006/relationships" xmlns:p="http://schemas.openxmlformats.org/presentationml/2006/main">
+  <p:cSld>
+    <p:spTree>
+      <p:nvGrpSpPr>
+        <p:cNvPr id="1" name=""/>
+        <p:cNvGrpSpPr/>
+        <p:nvPr/>
+      </p:nvGrpSpPr>
+      <p:grpSpPr>
+        <a:xfrm>
+          <a:off x="0" y="0"/>
+          <a:ext cx="0" cy="0"/>
+          <a:chOff x="0" y="0"/>
+          <a:chExt cx="0" cy="0"/>
+        </a:xfrm>
+      </p:grpSpPr>
+      <p:sp>
+        <p:nvSpPr>
+          <p:cNvPr id="2" name="TextBox 1"/>
+          <p:cNvSpPr txBox="1"/>
+          <p:nvPr/>
+        </p:nvSpPr>
+        <p:spPr>
+          <a:xfrm>
+            <a:off x="177282" y="195943"/>
+            <a:ext cx="2491273" cy="369332"/>
+          </a:xfrm>
+          <a:prstGeom prst="rect">
+            <a:avLst/>
+          </a:prstGeom>
+          <a:noFill/>
+        </p:spPr>
+        <p:txBody>
+          <a:bodyPr wrap="square" rtlCol="0">
+            <a:spAutoFit/>
+          </a:bodyPr>
+          <a:lstStyle/>
+          <a:p>
+            <a:r>
+              <a:rPr lang="en-US" altLang="ko-KR" smtClean="0">
+                <a:latin typeface="나눔스퀘어 네오 OTF Bold" panose="00000800000000000000" pitchFamily="50" charset="-127"/>
+                <a:ea typeface="나눔스퀘어 네오 OTF Bold" panose="00000800000000000000" pitchFamily="50" charset="-127"/>
+              </a:rPr>
+              <a:t>Ⅳ. </a:t>
+            </a:r>
+            <a:r>
+              <a:rPr lang="en-US" altLang="ko-KR">
+                <a:latin typeface="나눔스퀘어 네오 OTF Bold" panose="00000800000000000000" pitchFamily="50" charset="-127"/>
+                <a:ea typeface="나눔스퀘어 네오 OTF Bold" panose="00000800000000000000" pitchFamily="50" charset="-127"/>
+              </a:rPr>
+              <a:t>Project</a:t>
+            </a:r>
+            <a:r>
+              <a:rPr lang="ko-KR" altLang="en-US">
+                <a:latin typeface="나눔스퀘어 네오 OTF Bold" panose="00000800000000000000" pitchFamily="50" charset="-127"/>
+                <a:ea typeface="나눔스퀘어 네오 OTF Bold" panose="00000800000000000000" pitchFamily="50" charset="-127"/>
+              </a:rPr>
+              <a:t> </a:t>
+            </a:r>
+            <a:r>
+              <a:rPr lang="ko-KR" altLang="en-US" smtClean="0">
+                <a:latin typeface="나눔스퀘어 네오 OTF Bold" panose="00000800000000000000" pitchFamily="50" charset="-127"/>
+                <a:ea typeface="나눔스퀘어 네오 OTF Bold" panose="00000800000000000000" pitchFamily="50" charset="-127"/>
+              </a:rPr>
+              <a:t>실행 화면</a:t>
+            </a:r>
+            <a:endParaRPr lang="en-US" altLang="ko-KR">
+              <a:latin typeface="나눔스퀘어 네오 OTF Bold" panose="00000800000000000000" pitchFamily="50" charset="-127"/>
+              <a:ea typeface="나눔스퀘어 네오 OTF Bold" panose="00000800000000000000" pitchFamily="50" charset="-127"/>
+            </a:endParaRPr>
+          </a:p>
+        </p:txBody>
+      </p:sp>
+      <p:cxnSp>
+        <p:nvCxnSpPr>
+          <p:cNvPr id="3" name="직선 연결선 2"/>
+          <p:cNvCxnSpPr/>
+          <p:nvPr/>
+        </p:nvCxnSpPr>
+        <p:spPr>
+          <a:xfrm>
+            <a:off x="2687216" y="195943"/>
+            <a:ext cx="0" cy="369332"/>
+          </a:xfrm>
+          <a:prstGeom prst="line">
+            <a:avLst/>
+          </a:prstGeom>
+          <a:ln w="19050">
+            <a:solidFill>
+              <a:schemeClr val="bg1">
+                <a:lumMod val="50000"/>
+              </a:schemeClr>
+            </a:solidFill>
+          </a:ln>
+        </p:spPr>
+        <p:style>
+          <a:lnRef idx="1">
+            <a:schemeClr val="accent1"/>
+          </a:lnRef>
+          <a:fillRef idx="0">
+            <a:schemeClr val="accent1"/>
+          </a:fillRef>
+          <a:effectRef idx="0">
+            <a:schemeClr val="accent1"/>
+          </a:effectRef>
+          <a:fontRef idx="minor">
+            <a:schemeClr val="tx1"/>
+          </a:fontRef>
+        </p:style>
+      </p:cxnSp>
+      <p:graphicFrame>
+        <p:nvGraphicFramePr>
+          <p:cNvPr id="6" name="표 5"/>
+          <p:cNvGraphicFramePr>
+            <a:graphicFrameLocks noGrp="1"/>
+          </p:cNvGraphicFramePr>
+          <p:nvPr>
+            <p:extLst>
+              <p:ext uri="{D42A27DB-BD31-4B8C-83A1-F6EECF244321}">
+                <p14:modId xmlns:p14="http://schemas.microsoft.com/office/powerpoint/2010/main" val="3518937748"/>
+              </p:ext>
+            </p:extLst>
+          </p:nvPr>
+        </p:nvGraphicFramePr>
+        <p:xfrm>
+          <a:off x="8232336" y="854524"/>
+          <a:ext cx="3679571" cy="2444242"/>
+        </p:xfrm>
+        <a:graphic>
+          <a:graphicData uri="http://schemas.openxmlformats.org/drawingml/2006/table">
+            <a:tbl>
+              <a:tblPr/>
+              <a:tblGrid>
+                <a:gridCol w="491998">
+                  <a:extLst>
+                    <a:ext uri="{9D8B030D-6E8A-4147-A177-3AD203B41FA5}">
+                      <a16:colId xmlns:a16="http://schemas.microsoft.com/office/drawing/2014/main" val="1820783413"/>
+                    </a:ext>
+                  </a:extLst>
+                </a:gridCol>
+                <a:gridCol w="3187573">
+                  <a:extLst>
+                    <a:ext uri="{9D8B030D-6E8A-4147-A177-3AD203B41FA5}">
+                      <a16:colId xmlns:a16="http://schemas.microsoft.com/office/drawing/2014/main" val="2980089569"/>
+                    </a:ext>
+                  </a:extLst>
+                </a:gridCol>
+              </a:tblGrid>
+              <a:tr h="486283">
+                <a:tc gridSpan="2">
+                  <a:txBody>
+                    <a:bodyPr/>
+                    <a:lstStyle/>
+                    <a:p>
+                      <a:pPr marL="0" marR="0" indent="0" algn="ctr" fontAlgn="base" latinLnBrk="0">
+                        <a:lnSpc>
+                          <a:spcPct val="100000"/>
+                        </a:lnSpc>
+                        <a:spcBef>
+                          <a:spcPts val="0"/>
+                        </a:spcBef>
+                        <a:spcAft>
+                          <a:spcPts val="0"/>
+                        </a:spcAft>
+                      </a:pPr>
+                      <a:r>
+                        <a:rPr lang="en-US" sz="1400" b="1" kern="0" spc="0" dirty="0">
+                          <a:solidFill>
+                            <a:srgbClr val="000000"/>
+                          </a:solidFill>
+                          <a:effectLst/>
+                          <a:latin typeface="나눔스퀘어OTF_ac ExtraBold" panose="020B0600000101010101" pitchFamily="34" charset="-127"/>
+                          <a:ea typeface="나눔스퀘어OTF_ac ExtraBold" panose="020B0600000101010101" pitchFamily="34" charset="-127"/>
+                        </a:rPr>
+                        <a:t>Function Description</a:t>
+                      </a:r>
+                      <a:endParaRPr lang="en-US" sz="1100" kern="0" spc="0" dirty="0">
+                        <a:solidFill>
+                          <a:srgbClr val="000000"/>
+                        </a:solidFill>
+                        <a:effectLst/>
+                        <a:latin typeface="나눔스퀘어OTF_ac ExtraBold" panose="020B0600000101010101" pitchFamily="34" charset="-127"/>
+                        <a:ea typeface="나눔스퀘어OTF_ac ExtraBold" panose="020B0600000101010101" pitchFamily="34" charset="-127"/>
+                      </a:endParaRPr>
+                    </a:p>
+                  </a:txBody>
+                  <a:tcPr marL="64770" marR="64770" marT="17907" marB="17907" anchor="ctr">
+                    <a:lnL w="3556" cap="flat" cmpd="sng" algn="ctr">
+                      <a:solidFill>
+                        <a:srgbClr val="000000"/>
+                      </a:solidFill>
+                      <a:prstDash val="solid"/>
+                      <a:round/>
+                      <a:headEnd type="none" w="med" len="med"/>
+                      <a:tailEnd type="none" w="med" len="med"/>
+                    </a:lnL>
+                    <a:lnR w="3556" cap="flat" cmpd="sng" algn="ctr">
+                      <a:solidFill>
+                        <a:srgbClr val="000000"/>
+                      </a:solidFill>
+                      <a:prstDash val="solid"/>
+                      <a:round/>
+                      <a:headEnd type="none" w="med" len="med"/>
+                      <a:tailEnd type="none" w="med" len="med"/>
+                    </a:lnR>
+                    <a:lnT w="3556" cap="flat" cmpd="sng" algn="ctr">
+                      <a:solidFill>
+                        <a:srgbClr val="000000"/>
+                      </a:solidFill>
+                      <a:prstDash val="solid"/>
+                      <a:round/>
+                      <a:headEnd type="none" w="med" len="med"/>
+                      <a:tailEnd type="none" w="med" len="med"/>
+                    </a:lnT>
+                    <a:lnB w="3556" cap="flat" cmpd="sng" algn="ctr">
+                      <a:solidFill>
+                        <a:srgbClr val="000000"/>
+                      </a:solidFill>
+                      <a:prstDash val="solid"/>
+                      <a:round/>
+                      <a:headEnd type="none" w="med" len="med"/>
+                      <a:tailEnd type="none" w="med" len="med"/>
+                    </a:lnB>
+                    <a:solidFill>
+                      <a:srgbClr val="D9D9D9"/>
+                    </a:solidFill>
+                  </a:tcPr>
+                </a:tc>
+                <a:tc hMerge="1">
+                  <a:txBody>
+                    <a:bodyPr/>
+                    <a:lstStyle/>
+                    <a:p>
+                      <a:pPr latinLnBrk="1"/>
+                      <a:endParaRPr lang="ko-KR" altLang="en-US"/>
+                    </a:p>
+                  </a:txBody>
+                  <a:tcPr/>
+                </a:tc>
+                <a:extLst>
+                  <a:ext uri="{0D108BD9-81ED-4DB2-BD59-A6C34878D82A}">
+                    <a16:rowId xmlns:a16="http://schemas.microsoft.com/office/drawing/2014/main" val="736605788"/>
+                  </a:ext>
+                </a:extLst>
+              </a:tr>
+              <a:tr h="342519">
+                <a:tc>
+                  <a:txBody>
+                    <a:bodyPr/>
+                    <a:lstStyle/>
+                    <a:p>
+                      <a:pPr marL="0" marR="0" indent="0" algn="ctr" fontAlgn="base" latinLnBrk="0">
+                        <a:lnSpc>
+                          <a:spcPct val="160000"/>
+                        </a:lnSpc>
+                        <a:spcBef>
+                          <a:spcPts val="0"/>
+                        </a:spcBef>
+                        <a:spcAft>
+                          <a:spcPts val="0"/>
+                        </a:spcAft>
+                      </a:pPr>
+                      <a:r>
+                        <a:rPr lang="en-US" altLang="ko-KR" sz="1000" kern="0" spc="0" smtClean="0">
+                          <a:solidFill>
+                            <a:srgbClr val="000000"/>
+                          </a:solidFill>
+                          <a:effectLst/>
+                          <a:latin typeface="함초롬바탕" panose="02030604000101010101" pitchFamily="18" charset="-127"/>
+                        </a:rPr>
+                        <a:t>1</a:t>
+                      </a:r>
+                      <a:endParaRPr lang="ko-KR" altLang="en-US" sz="1000" kern="0" spc="0" dirty="0">
+                        <a:solidFill>
+                          <a:srgbClr val="000000"/>
+                        </a:solidFill>
+                        <a:effectLst/>
+                        <a:latin typeface="함초롬바탕" panose="02030604000101010101" pitchFamily="18" charset="-127"/>
+                      </a:endParaRPr>
+                    </a:p>
+                  </a:txBody>
+                  <a:tcPr marL="64770" marR="64770" marT="17907" marB="17907" anchor="ctr">
+                    <a:lnL w="3556" cap="flat" cmpd="sng" algn="ctr">
+                      <a:solidFill>
+                        <a:srgbClr val="000000"/>
+                      </a:solidFill>
+                      <a:prstDash val="solid"/>
+                      <a:round/>
+                      <a:headEnd type="none" w="med" len="med"/>
+                      <a:tailEnd type="none" w="med" len="med"/>
+                    </a:lnL>
+                    <a:lnR w="3556" cap="flat" cmpd="sng" algn="ctr">
+                      <a:solidFill>
+                        <a:srgbClr val="000000"/>
+                      </a:solidFill>
+                      <a:prstDash val="solid"/>
+                      <a:round/>
+                      <a:headEnd type="none" w="med" len="med"/>
+                      <a:tailEnd type="none" w="med" len="med"/>
+                    </a:lnR>
+                    <a:lnT w="3556" cap="flat" cmpd="sng" algn="ctr">
+                      <a:solidFill>
+                        <a:srgbClr val="000000"/>
+                      </a:solidFill>
+                      <a:prstDash val="solid"/>
+                      <a:round/>
+                      <a:headEnd type="none" w="med" len="med"/>
+                      <a:tailEnd type="none" w="med" len="med"/>
+                    </a:lnT>
+                    <a:lnB w="3556" cap="flat" cmpd="sng" algn="ctr">
+                      <a:solidFill>
+                        <a:srgbClr val="000000"/>
+                      </a:solidFill>
+                      <a:prstDash val="solid"/>
+                      <a:round/>
+                      <a:headEnd type="none" w="med" len="med"/>
+                      <a:tailEnd type="none" w="med" len="med"/>
+                    </a:lnB>
+                  </a:tcPr>
+                </a:tc>
+                <a:tc>
+                  <a:txBody>
+                    <a:bodyPr/>
+                    <a:lstStyle/>
+                    <a:p>
+                      <a:pPr marL="0" marR="0" indent="0" algn="l" fontAlgn="base" latinLnBrk="0">
+                        <a:lnSpc>
+                          <a:spcPct val="160000"/>
+                        </a:lnSpc>
+                        <a:spcBef>
+                          <a:spcPts val="0"/>
+                        </a:spcBef>
+                        <a:spcAft>
+                          <a:spcPts val="0"/>
+                        </a:spcAft>
+                      </a:pPr>
+                      <a:r>
+                        <a:rPr lang="ko-KR" altLang="en-US" sz="1000" kern="0" spc="0" smtClean="0">
+                          <a:solidFill>
+                            <a:srgbClr val="000000"/>
+                          </a:solidFill>
+                          <a:effectLst/>
+                          <a:latin typeface="함초롬바탕" panose="02030604000101010101" pitchFamily="18" charset="-127"/>
+                        </a:rPr>
+                        <a:t>관리자 리스트 페이지 이동 시 </a:t>
+                      </a:r>
+                      <a:r>
+                        <a:rPr lang="en-US" altLang="ko-KR" sz="1000" kern="0" spc="0" smtClean="0">
+                          <a:solidFill>
+                            <a:srgbClr val="000000"/>
+                          </a:solidFill>
+                          <a:effectLst/>
+                          <a:latin typeface="함초롬바탕" panose="02030604000101010101" pitchFamily="18" charset="-127"/>
+                        </a:rPr>
+                        <a:t>DB</a:t>
+                      </a:r>
+                      <a:r>
+                        <a:rPr lang="ko-KR" altLang="en-US" sz="1000" kern="0" spc="0" smtClean="0">
+                          <a:solidFill>
+                            <a:srgbClr val="000000"/>
+                          </a:solidFill>
+                          <a:effectLst/>
+                          <a:latin typeface="함초롬바탕" panose="02030604000101010101" pitchFamily="18" charset="-127"/>
+                        </a:rPr>
+                        <a:t>에 저장된 관리자들의 리스트를 볼 수 있습니다</a:t>
+                      </a:r>
+                      <a:r>
+                        <a:rPr lang="en-US" altLang="ko-KR" sz="1000" kern="0" spc="0" smtClean="0">
+                          <a:solidFill>
+                            <a:srgbClr val="000000"/>
+                          </a:solidFill>
+                          <a:effectLst/>
+                          <a:latin typeface="함초롬바탕" panose="02030604000101010101" pitchFamily="18" charset="-127"/>
+                        </a:rPr>
+                        <a:t>. </a:t>
+                      </a:r>
+                      <a:endParaRPr lang="ko-KR" altLang="en-US" sz="1000" kern="0" spc="0" dirty="0">
+                        <a:solidFill>
+                          <a:srgbClr val="000000"/>
+                        </a:solidFill>
+                        <a:effectLst/>
+                        <a:latin typeface="함초롬바탕" panose="02030604000101010101" pitchFamily="18" charset="-127"/>
+                      </a:endParaRPr>
+                    </a:p>
+                  </a:txBody>
+                  <a:tcPr marL="64770" marR="64770" marT="17907" marB="17907" anchor="ctr">
+                    <a:lnL w="3556" cap="flat" cmpd="sng" algn="ctr">
+                      <a:solidFill>
+                        <a:srgbClr val="000000"/>
+                      </a:solidFill>
+                      <a:prstDash val="solid"/>
+                      <a:round/>
+                      <a:headEnd type="none" w="med" len="med"/>
+                      <a:tailEnd type="none" w="med" len="med"/>
+                    </a:lnL>
+                    <a:lnR w="3556" cap="flat" cmpd="sng" algn="ctr">
+                      <a:solidFill>
+                        <a:srgbClr val="000000"/>
+                      </a:solidFill>
+                      <a:prstDash val="solid"/>
+                      <a:round/>
+                      <a:headEnd type="none" w="med" len="med"/>
+                      <a:tailEnd type="none" w="med" len="med"/>
+                    </a:lnR>
+                    <a:lnT w="3556" cap="flat" cmpd="sng" algn="ctr">
+                      <a:solidFill>
+                        <a:srgbClr val="000000"/>
+                      </a:solidFill>
+                      <a:prstDash val="solid"/>
+                      <a:round/>
+                      <a:headEnd type="none" w="med" len="med"/>
+                      <a:tailEnd type="none" w="med" len="med"/>
+                    </a:lnT>
+                    <a:lnB w="3556" cap="flat" cmpd="sng" algn="ctr">
+                      <a:solidFill>
+                        <a:srgbClr val="000000"/>
+                      </a:solidFill>
+                      <a:prstDash val="solid"/>
+                      <a:round/>
+                      <a:headEnd type="none" w="med" len="med"/>
+                      <a:tailEnd type="none" w="med" len="med"/>
+                    </a:lnB>
+                  </a:tcPr>
+                </a:tc>
+                <a:extLst>
+                  <a:ext uri="{0D108BD9-81ED-4DB2-BD59-A6C34878D82A}">
+                    <a16:rowId xmlns:a16="http://schemas.microsoft.com/office/drawing/2014/main" val="8183786"/>
+                  </a:ext>
+                </a:extLst>
+              </a:tr>
+              <a:tr h="342519">
+                <a:tc>
+                  <a:txBody>
+                    <a:bodyPr/>
+                    <a:lstStyle/>
+                    <a:p>
+                      <a:pPr marL="0" marR="0" indent="0" algn="ctr" fontAlgn="base" latinLnBrk="0">
+                        <a:lnSpc>
+                          <a:spcPct val="160000"/>
+                        </a:lnSpc>
+                        <a:spcBef>
+                          <a:spcPts val="0"/>
+                        </a:spcBef>
+                        <a:spcAft>
+                          <a:spcPts val="0"/>
+                        </a:spcAft>
+                      </a:pPr>
+                      <a:r>
+                        <a:rPr lang="en-US" altLang="ko-KR" sz="1000" kern="0" spc="0" smtClean="0">
+                          <a:solidFill>
+                            <a:srgbClr val="000000"/>
+                          </a:solidFill>
+                          <a:effectLst/>
+                          <a:latin typeface="함초롬바탕" panose="02030604000101010101" pitchFamily="18" charset="-127"/>
+                        </a:rPr>
+                        <a:t>2</a:t>
+                      </a:r>
+                      <a:endParaRPr lang="ko-KR" altLang="en-US" sz="1000" kern="0" spc="0" dirty="0">
+                        <a:solidFill>
+                          <a:srgbClr val="000000"/>
+                        </a:solidFill>
+                        <a:effectLst/>
+                        <a:latin typeface="함초롬바탕" panose="02030604000101010101" pitchFamily="18" charset="-127"/>
+                      </a:endParaRPr>
+                    </a:p>
+                  </a:txBody>
+                  <a:tcPr marL="64770" marR="64770" marT="17907" marB="17907" anchor="ctr">
+                    <a:lnL w="3556" cap="flat" cmpd="sng" algn="ctr">
+                      <a:solidFill>
+                        <a:srgbClr val="000000"/>
+                      </a:solidFill>
+                      <a:prstDash val="solid"/>
+                      <a:round/>
+                      <a:headEnd type="none" w="med" len="med"/>
+                      <a:tailEnd type="none" w="med" len="med"/>
+                    </a:lnL>
+                    <a:lnR w="3556" cap="flat" cmpd="sng" algn="ctr">
+                      <a:solidFill>
+                        <a:srgbClr val="000000"/>
+                      </a:solidFill>
+                      <a:prstDash val="solid"/>
+                      <a:round/>
+                      <a:headEnd type="none" w="med" len="med"/>
+                      <a:tailEnd type="none" w="med" len="med"/>
+                    </a:lnR>
+                    <a:lnT w="3556" cap="flat" cmpd="sng" algn="ctr">
+                      <a:solidFill>
+                        <a:srgbClr val="000000"/>
+                      </a:solidFill>
+                      <a:prstDash val="solid"/>
+                      <a:round/>
+                      <a:headEnd type="none" w="med" len="med"/>
+                      <a:tailEnd type="none" w="med" len="med"/>
+                    </a:lnT>
+                    <a:lnB w="3556" cap="flat" cmpd="sng" algn="ctr">
+                      <a:solidFill>
+                        <a:srgbClr val="000000"/>
+                      </a:solidFill>
+                      <a:prstDash val="solid"/>
+                      <a:round/>
+                      <a:headEnd type="none" w="med" len="med"/>
+                      <a:tailEnd type="none" w="med" len="med"/>
+                    </a:lnB>
+                  </a:tcPr>
+                </a:tc>
+                <a:tc>
+                  <a:txBody>
+                    <a:bodyPr/>
+                    <a:lstStyle/>
+                    <a:p>
+                      <a:pPr marL="0" marR="0" indent="0" algn="l" fontAlgn="base" latinLnBrk="0">
+                        <a:lnSpc>
+                          <a:spcPct val="160000"/>
+                        </a:lnSpc>
+                        <a:spcBef>
+                          <a:spcPts val="0"/>
+                        </a:spcBef>
+                        <a:spcAft>
+                          <a:spcPts val="0"/>
+                        </a:spcAft>
+                      </a:pPr>
+                      <a:r>
+                        <a:rPr lang="ko-KR" altLang="en-US" sz="1000" kern="0" spc="0" smtClean="0">
+                          <a:solidFill>
+                            <a:srgbClr val="000000"/>
+                          </a:solidFill>
+                          <a:effectLst/>
+                          <a:latin typeface="함초롬바탕" panose="02030604000101010101" pitchFamily="18" charset="-127"/>
+                        </a:rPr>
+                        <a:t>수정 버튼 클릭 시 관리자의 정보를 상세히 볼 수 있는 페이지로 이동하며</a:t>
+                      </a:r>
+                      <a:r>
+                        <a:rPr lang="en-US" altLang="ko-KR" sz="1000" kern="0" spc="0" smtClean="0">
+                          <a:solidFill>
+                            <a:srgbClr val="000000"/>
+                          </a:solidFill>
+                          <a:effectLst/>
+                          <a:latin typeface="함초롬바탕" panose="02030604000101010101" pitchFamily="18" charset="-127"/>
+                        </a:rPr>
+                        <a:t>, </a:t>
+                      </a:r>
+                      <a:r>
+                        <a:rPr lang="ko-KR" altLang="en-US" sz="1000" kern="0" spc="0" smtClean="0">
+                          <a:solidFill>
+                            <a:srgbClr val="000000"/>
+                          </a:solidFill>
+                          <a:effectLst/>
+                          <a:latin typeface="함초롬바탕" panose="02030604000101010101" pitchFamily="18" charset="-127"/>
+                        </a:rPr>
+                        <a:t>해당 페이지에서 정보를 수정할 수 있습니다</a:t>
+                      </a:r>
+                      <a:r>
+                        <a:rPr lang="en-US" altLang="ko-KR" sz="1000" kern="0" spc="0" smtClean="0">
+                          <a:solidFill>
+                            <a:srgbClr val="000000"/>
+                          </a:solidFill>
+                          <a:effectLst/>
+                          <a:latin typeface="함초롬바탕" panose="02030604000101010101" pitchFamily="18" charset="-127"/>
+                        </a:rPr>
+                        <a:t>. </a:t>
+                      </a:r>
+                      <a:r>
+                        <a:rPr lang="ko-KR" altLang="en-US" sz="1000" kern="0" spc="0" smtClean="0">
+                          <a:solidFill>
+                            <a:srgbClr val="000000"/>
+                          </a:solidFill>
+                          <a:effectLst/>
+                          <a:latin typeface="함초롬바탕" panose="02030604000101010101" pitchFamily="18" charset="-127"/>
+                        </a:rPr>
+                        <a:t>삭제 버튼 클릭 시 해당 관리자의 계정을 </a:t>
+                      </a:r>
+                      <a:r>
+                        <a:rPr lang="en-US" altLang="ko-KR" sz="1000" kern="0" spc="0" smtClean="0">
+                          <a:solidFill>
+                            <a:srgbClr val="000000"/>
+                          </a:solidFill>
+                          <a:effectLst/>
+                          <a:latin typeface="함초롬바탕" panose="02030604000101010101" pitchFamily="18" charset="-127"/>
+                        </a:rPr>
+                        <a:t>DB</a:t>
+                      </a:r>
+                      <a:r>
+                        <a:rPr lang="ko-KR" altLang="en-US" sz="1000" kern="0" spc="0" smtClean="0">
+                          <a:solidFill>
+                            <a:srgbClr val="000000"/>
+                          </a:solidFill>
+                          <a:effectLst/>
+                          <a:latin typeface="함초롬바탕" panose="02030604000101010101" pitchFamily="18" charset="-127"/>
+                        </a:rPr>
+                        <a:t>에서 삭제합니다</a:t>
+                      </a:r>
+                      <a:r>
+                        <a:rPr lang="en-US" altLang="ko-KR" sz="1000" kern="0" spc="0" smtClean="0">
+                          <a:solidFill>
+                            <a:srgbClr val="000000"/>
+                          </a:solidFill>
+                          <a:effectLst/>
+                          <a:latin typeface="함초롬바탕" panose="02030604000101010101" pitchFamily="18" charset="-127"/>
+                        </a:rPr>
+                        <a:t>.</a:t>
+                      </a:r>
+                      <a:endParaRPr lang="ko-KR" altLang="en-US" sz="1000" kern="0" spc="0">
+                        <a:solidFill>
+                          <a:srgbClr val="000000"/>
+                        </a:solidFill>
+                        <a:effectLst/>
+                        <a:latin typeface="함초롬바탕" panose="02030604000101010101" pitchFamily="18" charset="-127"/>
+                      </a:endParaRPr>
+                    </a:p>
+                  </a:txBody>
+                  <a:tcPr marL="64770" marR="64770" marT="17907" marB="17907" anchor="ctr">
+                    <a:lnL w="3556" cap="flat" cmpd="sng" algn="ctr">
+                      <a:solidFill>
+                        <a:srgbClr val="000000"/>
+                      </a:solidFill>
+                      <a:prstDash val="solid"/>
+                      <a:round/>
+                      <a:headEnd type="none" w="med" len="med"/>
+                      <a:tailEnd type="none" w="med" len="med"/>
+                    </a:lnL>
+                    <a:lnR w="3556" cap="flat" cmpd="sng" algn="ctr">
+                      <a:solidFill>
+                        <a:srgbClr val="000000"/>
+                      </a:solidFill>
+                      <a:prstDash val="solid"/>
+                      <a:round/>
+                      <a:headEnd type="none" w="med" len="med"/>
+                      <a:tailEnd type="none" w="med" len="med"/>
+                    </a:lnR>
+                    <a:lnT w="3556" cap="flat" cmpd="sng" algn="ctr">
+                      <a:solidFill>
+                        <a:srgbClr val="000000"/>
+                      </a:solidFill>
+                      <a:prstDash val="solid"/>
+                      <a:round/>
+                      <a:headEnd type="none" w="med" len="med"/>
+                      <a:tailEnd type="none" w="med" len="med"/>
+                    </a:lnT>
+                    <a:lnB w="3556" cap="flat" cmpd="sng" algn="ctr">
+                      <a:solidFill>
+                        <a:srgbClr val="000000"/>
+                      </a:solidFill>
+                      <a:prstDash val="solid"/>
+                      <a:round/>
+                      <a:headEnd type="none" w="med" len="med"/>
+                      <a:tailEnd type="none" w="med" len="med"/>
+                    </a:lnB>
+                  </a:tcPr>
+                </a:tc>
+                <a:extLst>
+                  <a:ext uri="{0D108BD9-81ED-4DB2-BD59-A6C34878D82A}">
+                    <a16:rowId xmlns:a16="http://schemas.microsoft.com/office/drawing/2014/main" val="3532956381"/>
+                  </a:ext>
+                </a:extLst>
+              </a:tr>
+              <a:tr h="342519">
+                <a:tc>
+                  <a:txBody>
+                    <a:bodyPr/>
+                    <a:lstStyle/>
+                    <a:p>
+                      <a:pPr marL="0" marR="0" indent="0" algn="ctr" fontAlgn="base" latinLnBrk="0">
+                        <a:lnSpc>
+                          <a:spcPct val="160000"/>
+                        </a:lnSpc>
+                        <a:spcBef>
+                          <a:spcPts val="0"/>
+                        </a:spcBef>
+                        <a:spcAft>
+                          <a:spcPts val="0"/>
+                        </a:spcAft>
+                      </a:pPr>
+                      <a:r>
+                        <a:rPr lang="en-US" altLang="ko-KR" sz="1000" kern="0" spc="0" smtClean="0">
+                          <a:solidFill>
+                            <a:srgbClr val="000000"/>
+                          </a:solidFill>
+                          <a:effectLst/>
+                          <a:latin typeface="함초롬바탕" panose="02030604000101010101" pitchFamily="18" charset="-127"/>
+                        </a:rPr>
+                        <a:t>3</a:t>
+                      </a:r>
+                      <a:endParaRPr lang="ko-KR" altLang="en-US" sz="1000" kern="0" spc="0">
+                        <a:solidFill>
+                          <a:srgbClr val="000000"/>
+                        </a:solidFill>
+                        <a:effectLst/>
+                        <a:latin typeface="함초롬바탕" panose="02030604000101010101" pitchFamily="18" charset="-127"/>
+                      </a:endParaRPr>
+                    </a:p>
+                  </a:txBody>
+                  <a:tcPr marL="64770" marR="64770" marT="17907" marB="17907" anchor="ctr">
+                    <a:lnL w="3556" cap="flat" cmpd="sng" algn="ctr">
+                      <a:solidFill>
+                        <a:srgbClr val="000000"/>
+                      </a:solidFill>
+                      <a:prstDash val="solid"/>
+                      <a:round/>
+                      <a:headEnd type="none" w="med" len="med"/>
+                      <a:tailEnd type="none" w="med" len="med"/>
+                    </a:lnL>
+                    <a:lnR w="3556" cap="flat" cmpd="sng" algn="ctr">
+                      <a:solidFill>
+                        <a:srgbClr val="000000"/>
+                      </a:solidFill>
+                      <a:prstDash val="solid"/>
+                      <a:round/>
+                      <a:headEnd type="none" w="med" len="med"/>
+                      <a:tailEnd type="none" w="med" len="med"/>
+                    </a:lnR>
+                    <a:lnT w="3556" cap="flat" cmpd="sng" algn="ctr">
+                      <a:solidFill>
+                        <a:srgbClr val="000000"/>
+                      </a:solidFill>
+                      <a:prstDash val="solid"/>
+                      <a:round/>
+                      <a:headEnd type="none" w="med" len="med"/>
+                      <a:tailEnd type="none" w="med" len="med"/>
+                    </a:lnT>
+                    <a:lnB w="3556" cap="flat" cmpd="sng" algn="ctr">
+                      <a:solidFill>
+                        <a:srgbClr val="000000"/>
+                      </a:solidFill>
+                      <a:prstDash val="solid"/>
+                      <a:round/>
+                      <a:headEnd type="none" w="med" len="med"/>
+                      <a:tailEnd type="none" w="med" len="med"/>
+                    </a:lnB>
+                  </a:tcPr>
+                </a:tc>
+                <a:tc>
+                  <a:txBody>
+                    <a:bodyPr/>
+                    <a:lstStyle/>
+                    <a:p>
+                      <a:pPr marL="0" marR="0" indent="0" algn="l" fontAlgn="base" latinLnBrk="0">
+                        <a:lnSpc>
+                          <a:spcPct val="160000"/>
+                        </a:lnSpc>
+                        <a:spcBef>
+                          <a:spcPts val="0"/>
+                        </a:spcBef>
+                        <a:spcAft>
+                          <a:spcPts val="0"/>
+                        </a:spcAft>
+                      </a:pPr>
+                      <a:r>
+                        <a:rPr lang="ko-KR" altLang="en-US" sz="1000" kern="0" spc="0" smtClean="0">
+                          <a:solidFill>
+                            <a:srgbClr val="000000"/>
+                          </a:solidFill>
+                          <a:effectLst/>
+                          <a:latin typeface="함초롬바탕" panose="02030604000101010101" pitchFamily="18" charset="-127"/>
+                        </a:rPr>
+                        <a:t>관리자 계정이 많을 경우를 대비하여 페이지 네이션 기능을 추가하였습니다</a:t>
+                      </a:r>
+                      <a:r>
+                        <a:rPr lang="en-US" altLang="ko-KR" sz="1000" kern="0" spc="0" smtClean="0">
+                          <a:solidFill>
+                            <a:srgbClr val="000000"/>
+                          </a:solidFill>
+                          <a:effectLst/>
+                          <a:latin typeface="함초롬바탕" panose="02030604000101010101" pitchFamily="18" charset="-127"/>
+                        </a:rPr>
+                        <a:t>.</a:t>
+                      </a:r>
+                      <a:endParaRPr lang="ko-KR" altLang="en-US" sz="1000" kern="0" spc="0">
+                        <a:solidFill>
+                          <a:srgbClr val="000000"/>
+                        </a:solidFill>
+                        <a:effectLst/>
+                        <a:latin typeface="함초롬바탕" panose="02030604000101010101" pitchFamily="18" charset="-127"/>
+                      </a:endParaRPr>
+                    </a:p>
+                  </a:txBody>
+                  <a:tcPr marL="64770" marR="64770" marT="17907" marB="17907" anchor="ctr">
+                    <a:lnL w="3556" cap="flat" cmpd="sng" algn="ctr">
+                      <a:solidFill>
+                        <a:srgbClr val="000000"/>
+                      </a:solidFill>
+                      <a:prstDash val="solid"/>
+                      <a:round/>
+                      <a:headEnd type="none" w="med" len="med"/>
+                      <a:tailEnd type="none" w="med" len="med"/>
+                    </a:lnL>
+                    <a:lnR w="3556" cap="flat" cmpd="sng" algn="ctr">
+                      <a:solidFill>
+                        <a:srgbClr val="000000"/>
+                      </a:solidFill>
+                      <a:prstDash val="solid"/>
+                      <a:round/>
+                      <a:headEnd type="none" w="med" len="med"/>
+                      <a:tailEnd type="none" w="med" len="med"/>
+                    </a:lnR>
+                    <a:lnT w="3556" cap="flat" cmpd="sng" algn="ctr">
+                      <a:solidFill>
+                        <a:srgbClr val="000000"/>
+                      </a:solidFill>
+                      <a:prstDash val="solid"/>
+                      <a:round/>
+                      <a:headEnd type="none" w="med" len="med"/>
+                      <a:tailEnd type="none" w="med" len="med"/>
+                    </a:lnT>
+                    <a:lnB w="3556" cap="flat" cmpd="sng" algn="ctr">
+                      <a:solidFill>
+                        <a:srgbClr val="000000"/>
+                      </a:solidFill>
+                      <a:prstDash val="solid"/>
+                      <a:round/>
+                      <a:headEnd type="none" w="med" len="med"/>
+                      <a:tailEnd type="none" w="med" len="med"/>
+                    </a:lnB>
+                  </a:tcPr>
+                </a:tc>
+                <a:extLst>
+                  <a:ext uri="{0D108BD9-81ED-4DB2-BD59-A6C34878D82A}">
+                    <a16:rowId xmlns:a16="http://schemas.microsoft.com/office/drawing/2014/main" val="99440709"/>
+                  </a:ext>
+                </a:extLst>
+              </a:tr>
+            </a:tbl>
+          </a:graphicData>
+        </a:graphic>
+      </p:graphicFrame>
+      <p:pic>
+        <p:nvPicPr>
+          <p:cNvPr id="7" name="그림 6"/>
+          <p:cNvPicPr>
+            <a:picLocks noChangeAspect="1"/>
+          </p:cNvPicPr>
+          <p:nvPr/>
+        </p:nvPicPr>
+        <p:blipFill>
+          <a:blip r:embed="rId2">
+            <a:extLst>
+              <a:ext uri="{28A0092B-C50C-407E-A947-70E740481C1C}">
+                <a14:useLocalDpi xmlns:a14="http://schemas.microsoft.com/office/drawing/2010/main" val="0"/>
+              </a:ext>
+            </a:extLst>
+          </a:blip>
+          <a:stretch>
+            <a:fillRect/>
+          </a:stretch>
+        </p:blipFill>
+        <p:spPr>
+          <a:xfrm>
+            <a:off x="261240" y="1493742"/>
+            <a:ext cx="7576474" cy="2602397"/>
+          </a:xfrm>
+          <a:prstGeom prst="rect">
+            <a:avLst/>
+          </a:prstGeom>
+        </p:spPr>
+      </p:pic>
+      <p:sp>
+        <p:nvSpPr>
+          <p:cNvPr id="10" name="TextBox 9"/>
+          <p:cNvSpPr txBox="1"/>
+          <p:nvPr/>
+        </p:nvSpPr>
+        <p:spPr>
+          <a:xfrm>
+            <a:off x="319102" y="2629515"/>
+            <a:ext cx="429208" cy="369332"/>
+          </a:xfrm>
+          <a:prstGeom prst="rect">
+            <a:avLst/>
+          </a:prstGeom>
+          <a:noFill/>
+        </p:spPr>
+        <p:txBody>
+          <a:bodyPr wrap="square" rtlCol="0">
+            <a:spAutoFit/>
+          </a:bodyPr>
+          <a:lstStyle/>
+          <a:p>
+            <a:r>
+              <a:rPr lang="en-US" altLang="ko-KR" smtClean="0">
+                <a:solidFill>
+                  <a:srgbClr val="FF0000"/>
+                </a:solidFill>
+                <a:latin typeface="나눔스퀘어OTF" panose="020B0600000101010101" pitchFamily="34" charset="-127"/>
+                <a:ea typeface="나눔스퀘어OTF" panose="020B0600000101010101" pitchFamily="34" charset="-127"/>
+              </a:rPr>
+              <a:t>①</a:t>
+            </a:r>
+            <a:endParaRPr lang="ko-KR" altLang="en-US">
+              <a:solidFill>
+                <a:srgbClr val="FF0000"/>
+              </a:solidFill>
+              <a:latin typeface="나눔스퀘어OTF" panose="020B0600000101010101" pitchFamily="34" charset="-127"/>
+              <a:ea typeface="나눔스퀘어OTF" panose="020B0600000101010101" pitchFamily="34" charset="-127"/>
+            </a:endParaRPr>
+          </a:p>
+        </p:txBody>
+      </p:sp>
+      <p:sp>
+        <p:nvSpPr>
+          <p:cNvPr id="11" name="직사각형 10"/>
+          <p:cNvSpPr/>
+          <p:nvPr/>
+        </p:nvSpPr>
+        <p:spPr>
+          <a:xfrm>
+            <a:off x="734732" y="2346649"/>
+            <a:ext cx="6515154" cy="1112680"/>
+          </a:xfrm>
+          <a:prstGeom prst="rect">
+            <a:avLst/>
+          </a:prstGeom>
+          <a:noFill/>
+          <a:ln w="28575">
+            <a:solidFill>
+              <a:srgbClr val="FF0000"/>
+            </a:solidFill>
+          </a:ln>
+        </p:spPr>
+        <p:style>
+          <a:lnRef idx="2">
+            <a:schemeClr val="accent1">
+              <a:shade val="50000"/>
+            </a:schemeClr>
+          </a:lnRef>
+          <a:fillRef idx="1">
+            <a:schemeClr val="accent1"/>
+          </a:fillRef>
+          <a:effectRef idx="0">
+            <a:schemeClr val="accent1"/>
+          </a:effectRef>
+          <a:fontRef idx="minor">
+            <a:schemeClr val="lt1"/>
+          </a:fontRef>
+        </p:style>
+        <p:txBody>
+          <a:bodyPr rtlCol="0" anchor="ctr"/>
+          <a:lstStyle/>
+          <a:p>
+            <a:pPr algn="ctr"/>
+            <a:endParaRPr lang="ko-KR" altLang="en-US"/>
+          </a:p>
+        </p:txBody>
+      </p:sp>
+      <p:sp>
+        <p:nvSpPr>
+          <p:cNvPr id="12" name="TextBox 11"/>
+          <p:cNvSpPr txBox="1"/>
+          <p:nvPr/>
+        </p:nvSpPr>
+        <p:spPr>
+          <a:xfrm>
+            <a:off x="7249848" y="2786637"/>
+            <a:ext cx="394660" cy="369332"/>
+          </a:xfrm>
+          <a:prstGeom prst="rect">
+            <a:avLst/>
+          </a:prstGeom>
+          <a:noFill/>
+        </p:spPr>
+        <p:txBody>
+          <a:bodyPr wrap="none" rtlCol="0">
+            <a:spAutoFit/>
+          </a:bodyPr>
+          <a:lstStyle/>
+          <a:p>
+            <a:r>
+              <a:rPr lang="ko-KR" altLang="en-US" smtClean="0">
+                <a:solidFill>
+                  <a:srgbClr val="FF0000"/>
+                </a:solidFill>
+                <a:latin typeface="나눔스퀘어OTF" panose="020B0600000101010101" pitchFamily="34" charset="-127"/>
+                <a:ea typeface="나눔스퀘어OTF" panose="020B0600000101010101" pitchFamily="34" charset="-127"/>
+              </a:rPr>
+              <a:t>②</a:t>
+            </a:r>
+            <a:endParaRPr lang="ko-KR" altLang="en-US">
+              <a:solidFill>
+                <a:srgbClr val="FF0000"/>
+              </a:solidFill>
+              <a:latin typeface="나눔스퀘어OTF" panose="020B0600000101010101" pitchFamily="34" charset="-127"/>
+              <a:ea typeface="나눔스퀘어OTF" panose="020B0600000101010101" pitchFamily="34" charset="-127"/>
+            </a:endParaRPr>
+          </a:p>
+        </p:txBody>
+      </p:sp>
+      <p:sp>
+        <p:nvSpPr>
+          <p:cNvPr id="13" name="직사각형 12"/>
+          <p:cNvSpPr/>
+          <p:nvPr/>
+        </p:nvSpPr>
+        <p:spPr>
+          <a:xfrm>
+            <a:off x="5935287" y="2577023"/>
+            <a:ext cx="1221971" cy="822882"/>
+          </a:xfrm>
+          <a:prstGeom prst="rect">
+            <a:avLst/>
+          </a:prstGeom>
+          <a:noFill/>
+          <a:ln w="28575">
+            <a:solidFill>
+              <a:srgbClr val="FF0000"/>
+            </a:solidFill>
+          </a:ln>
+        </p:spPr>
+        <p:style>
+          <a:lnRef idx="2">
+            <a:schemeClr val="accent1">
+              <a:shade val="50000"/>
+            </a:schemeClr>
+          </a:lnRef>
+          <a:fillRef idx="1">
+            <a:schemeClr val="accent1"/>
+          </a:fillRef>
+          <a:effectRef idx="0">
+            <a:schemeClr val="accent1"/>
+          </a:effectRef>
+          <a:fontRef idx="minor">
+            <a:schemeClr val="lt1"/>
+          </a:fontRef>
+        </p:style>
+        <p:txBody>
+          <a:bodyPr rtlCol="0" anchor="ctr"/>
+          <a:lstStyle/>
+          <a:p>
+            <a:pPr algn="ctr"/>
+            <a:endParaRPr lang="ko-KR" altLang="en-US"/>
+          </a:p>
+        </p:txBody>
+      </p:sp>
+      <p:sp>
+        <p:nvSpPr>
+          <p:cNvPr id="14" name="TextBox 13"/>
+          <p:cNvSpPr txBox="1"/>
+          <p:nvPr/>
+        </p:nvSpPr>
+        <p:spPr>
+          <a:xfrm>
+            <a:off x="3036122" y="3593068"/>
+            <a:ext cx="394660" cy="369332"/>
+          </a:xfrm>
+          <a:prstGeom prst="rect">
+            <a:avLst/>
+          </a:prstGeom>
+          <a:noFill/>
+        </p:spPr>
+        <p:txBody>
+          <a:bodyPr wrap="none" rtlCol="0">
+            <a:spAutoFit/>
+          </a:bodyPr>
+          <a:lstStyle/>
+          <a:p>
+            <a:r>
+              <a:rPr lang="ko-KR" altLang="en-US">
+                <a:solidFill>
+                  <a:srgbClr val="FF0000"/>
+                </a:solidFill>
+                <a:latin typeface="나눔스퀘어OTF" panose="020B0600000101010101" pitchFamily="34" charset="-127"/>
+                <a:ea typeface="나눔스퀘어OTF" panose="020B0600000101010101" pitchFamily="34" charset="-127"/>
+              </a:rPr>
+              <a:t>③</a:t>
+            </a:r>
+          </a:p>
+        </p:txBody>
+      </p:sp>
+      <p:sp>
+        <p:nvSpPr>
+          <p:cNvPr id="15" name="직사각형 14"/>
+          <p:cNvSpPr/>
+          <p:nvPr/>
+        </p:nvSpPr>
+        <p:spPr>
+          <a:xfrm>
+            <a:off x="3494708" y="3591662"/>
+            <a:ext cx="1221971" cy="440011"/>
+          </a:xfrm>
+          <a:prstGeom prst="rect">
+            <a:avLst/>
+          </a:prstGeom>
+          <a:noFill/>
+          <a:ln w="28575">
+            <a:solidFill>
+              <a:srgbClr val="FF0000"/>
+            </a:solidFill>
+          </a:ln>
+        </p:spPr>
+        <p:style>
+          <a:lnRef idx="2">
+            <a:schemeClr val="accent1">
+              <a:shade val="50000"/>
+            </a:schemeClr>
+          </a:lnRef>
+          <a:fillRef idx="1">
+            <a:schemeClr val="accent1"/>
+          </a:fillRef>
+          <a:effectRef idx="0">
+            <a:schemeClr val="accent1"/>
+          </a:effectRef>
+          <a:fontRef idx="minor">
+            <a:schemeClr val="lt1"/>
+          </a:fontRef>
+        </p:style>
+        <p:txBody>
+          <a:bodyPr rtlCol="0" anchor="ctr"/>
+          <a:lstStyle/>
+          <a:p>
+            <a:pPr algn="ctr"/>
+            <a:endParaRPr lang="ko-KR" altLang="en-US"/>
+          </a:p>
+        </p:txBody>
+      </p:sp>
+      <p:sp>
+        <p:nvSpPr>
+          <p:cNvPr id="16" name="TextBox 15"/>
+          <p:cNvSpPr txBox="1"/>
+          <p:nvPr/>
+        </p:nvSpPr>
+        <p:spPr>
+          <a:xfrm>
+            <a:off x="2924197" y="195943"/>
+            <a:ext cx="1720343" cy="369332"/>
+          </a:xfrm>
+          <a:prstGeom prst="rect">
+            <a:avLst/>
+          </a:prstGeom>
+          <a:noFill/>
+        </p:spPr>
+        <p:txBody>
+          <a:bodyPr wrap="none" rtlCol="0">
+            <a:spAutoFit/>
+          </a:bodyPr>
+          <a:lstStyle/>
+          <a:p>
+            <a:r>
+              <a:rPr lang="en-US" altLang="ko-KR">
+                <a:latin typeface="나눔스퀘어OTF" panose="020B0600000101010101" pitchFamily="34" charset="-127"/>
+                <a:ea typeface="나눔스퀘어OTF" panose="020B0600000101010101" pitchFamily="34" charset="-127"/>
+              </a:rPr>
+              <a:t>5</a:t>
+            </a:r>
+            <a:r>
+              <a:rPr lang="en-US" altLang="ko-KR" smtClean="0">
+                <a:latin typeface="나눔스퀘어OTF" panose="020B0600000101010101" pitchFamily="34" charset="-127"/>
+                <a:ea typeface="나눔스퀘어OTF" panose="020B0600000101010101" pitchFamily="34" charset="-127"/>
+              </a:rPr>
+              <a:t>-1 </a:t>
+            </a:r>
+            <a:r>
+              <a:rPr lang="ko-KR" altLang="en-US" smtClean="0">
+                <a:latin typeface="나눔스퀘어OTF" panose="020B0600000101010101" pitchFamily="34" charset="-127"/>
+                <a:ea typeface="나눔스퀘어OTF" panose="020B0600000101010101" pitchFamily="34" charset="-127"/>
+              </a:rPr>
+              <a:t>관리자 </a:t>
+            </a:r>
+            <a:r>
+              <a:rPr lang="ko-KR" altLang="en-US">
+                <a:latin typeface="나눔스퀘어OTF" panose="020B0600000101010101" pitchFamily="34" charset="-127"/>
+                <a:ea typeface="나눔스퀘어OTF" panose="020B0600000101010101" pitchFamily="34" charset="-127"/>
+              </a:rPr>
+              <a:t>화면</a:t>
+            </a:r>
+          </a:p>
+        </p:txBody>
+      </p:sp>
+    </p:spTree>
+    <p:extLst>
+      <p:ext uri="{BB962C8B-B14F-4D97-AF65-F5344CB8AC3E}">
+        <p14:creationId xmlns:p14="http://schemas.microsoft.com/office/powerpoint/2010/main" val="161820656"/>
+      </p:ext>
+    </p:extLst>
+  </p:cSld>
+  <p:clrMapOvr>
+    <a:masterClrMapping/>
+  </p:clrMapOvr>
+</p:sld>
+</file>
+
+<file path=ppt/slides/slide18.xml><?xml version="1.0" encoding="utf-8"?>
 <p:sld xmlns:a="http://schemas.openxmlformats.org/drawingml/2006/main" xmlns:r="http://schemas.openxmlformats.org/officeDocument/2006/relationships" xmlns:p="http://schemas.openxmlformats.org/presentationml/2006/main">
   <p:cSld>
     <p:spTree>
@@ -8615,11 +10552,18 @@
           <a:lstStyle/>
           <a:p>
             <a:r>
+              <a:rPr lang="en-US" altLang="ko-KR">
+                <a:latin typeface="나눔스퀘어OTF" panose="020B0600000101010101" pitchFamily="34" charset="-127"/>
+                <a:ea typeface="나눔스퀘어OTF" panose="020B0600000101010101" pitchFamily="34" charset="-127"/>
+              </a:rPr>
+              <a:t>5</a:t>
+            </a:r>
+            <a:r>
               <a:rPr lang="en-US" altLang="ko-KR" smtClean="0">
                 <a:latin typeface="나눔스퀘어OTF" panose="020B0600000101010101" pitchFamily="34" charset="-127"/>
                 <a:ea typeface="나눔스퀘어OTF" panose="020B0600000101010101" pitchFamily="34" charset="-127"/>
               </a:rPr>
-              <a:t>4-2 </a:t>
+              <a:t>-2 </a:t>
             </a:r>
             <a:r>
               <a:rPr lang="ko-KR" altLang="en-US" smtClean="0">
@@ -8635,10 +10579,6 @@
               </a:rPr>
               <a:t>화면</a:t>
             </a:r>
-            <a:endParaRPr lang="ko-KR" altLang="en-US">
-              <a:latin typeface="나눔스퀘어OTF" panose="020B0600000101010101" pitchFamily="34" charset="-127"/>
-              <a:ea typeface="나눔스퀘어OTF" panose="020B0600000101010101" pitchFamily="34" charset="-127"/>
-            </a:endParaRPr>
           </a:p>
         </p:txBody>
       </p:sp>
@@ -9654,8 +11594,8 @@
         </p:nvSpPr>
         <p:spPr>
           <a:xfrm>
-            <a:off x="353207" y="1997839"/>
-            <a:ext cx="2631233" cy="2862322"/>
+            <a:off x="394771" y="1382697"/>
+            <a:ext cx="2631233" cy="3693319"/>
           </a:xfrm>
           <a:prstGeom prst="rect">
             <a:avLst/>
@@ -9712,7 +11652,14 @@
                 <a:latin typeface="나눔스퀘어 네오 OTF Bold" panose="00000800000000000000" pitchFamily="50" charset="-127"/>
                 <a:ea typeface="나눔스퀘어 네오 OTF Bold" panose="00000800000000000000" pitchFamily="50" charset="-127"/>
               </a:rPr>
-              <a:t>개발 환경</a:t>
+              <a:t>개발 </a:t>
+            </a:r>
+            <a:r>
+              <a:rPr lang="ko-KR" altLang="en-US" smtClean="0">
+                <a:latin typeface="나눔스퀘어 네오 OTF Bold" panose="00000800000000000000" pitchFamily="50" charset="-127"/>
+                <a:ea typeface="나눔스퀘어 네오 OTF Bold" panose="00000800000000000000" pitchFamily="50" charset="-127"/>
+              </a:rPr>
+              <a:t>기획</a:t>
             </a:r>
             <a:endParaRPr lang="en-US" altLang="ko-KR" smtClean="0">
               <a:latin typeface="나눔스퀘어 네오 OTF Bold" panose="00000800000000000000" pitchFamily="50" charset="-127"/>
@@ -9737,14 +11684,28 @@
                 <a:latin typeface="나눔스퀘어 네오 OTF Bold" panose="00000800000000000000" pitchFamily="50" charset="-127"/>
                 <a:ea typeface="나눔스퀘어 네오 OTF Bold" panose="00000800000000000000" pitchFamily="50" charset="-127"/>
               </a:rPr>
-              <a:t>Ⅲ. Project </a:t>
+              <a:t>Ⅲ. </a:t>
+            </a:r>
+            <a:r>
+              <a:rPr lang="en-US" altLang="ko-KR">
+                <a:latin typeface="나눔스퀘어 네오 OTF Bold" panose="00000800000000000000" pitchFamily="50" charset="-127"/>
+                <a:ea typeface="나눔스퀘어 네오 OTF Bold" panose="00000800000000000000" pitchFamily="50" charset="-127"/>
+              </a:rPr>
+              <a:t>Project </a:t>
+            </a:r>
+            <a:r>
+              <a:rPr lang="ko-KR" altLang="en-US">
+                <a:latin typeface="나눔스퀘어 네오 OTF Bold" panose="00000800000000000000" pitchFamily="50" charset="-127"/>
+                <a:ea typeface="나눔스퀘어 네오 OTF Bold" panose="00000800000000000000" pitchFamily="50" charset="-127"/>
+              </a:rPr>
+              <a:t>개발 </a:t>
             </a:r>
             <a:r>
               <a:rPr lang="ko-KR" altLang="en-US" smtClean="0">
                 <a:latin typeface="나눔스퀘어 네오 OTF Bold" panose="00000800000000000000" pitchFamily="50" charset="-127"/>
                 <a:ea typeface="나눔스퀘어 네오 OTF Bold" panose="00000800000000000000" pitchFamily="50" charset="-127"/>
               </a:rPr>
-              <a:t>개발 일정</a:t>
+              <a:t>환경</a:t>
             </a:r>
             <a:endParaRPr lang="en-US" altLang="ko-KR" smtClean="0">
               <a:latin typeface="나눔스퀘어 네오 OTF Bold" panose="00000800000000000000" pitchFamily="50" charset="-127"/>
@@ -9758,25 +11719,85 @@
             </a:endParaRPr>
           </a:p>
           <a:p>
+            <a:endParaRPr lang="en-US" altLang="ko-KR">
+              <a:latin typeface="나눔스퀘어 네오 OTF Bold" panose="00000800000000000000" pitchFamily="50" charset="-127"/>
+              <a:ea typeface="나눔스퀘어 네오 OTF Bold" panose="00000800000000000000" pitchFamily="50" charset="-127"/>
+            </a:endParaRPr>
+          </a:p>
+          <a:p>
+            <a:r>
+              <a:rPr lang="en-US" altLang="ko-KR" smtClean="0">
+                <a:latin typeface="나눔스퀘어 네오 OTF Bold" panose="00000800000000000000" pitchFamily="50" charset="-127"/>
+                <a:ea typeface="나눔스퀘어 네오 OTF Bold" panose="00000800000000000000" pitchFamily="50" charset="-127"/>
+              </a:rPr>
+              <a:t>Ⅳ</a:t>
+            </a:r>
+            <a:r>
+              <a:rPr lang="en-US" altLang="ko-KR" smtClean="0">
+                <a:latin typeface="나눔스퀘어 네오 OTF Bold" panose="00000800000000000000" pitchFamily="50" charset="-127"/>
+                <a:ea typeface="나눔스퀘어 네오 OTF Bold" panose="00000800000000000000" pitchFamily="50" charset="-127"/>
+              </a:rPr>
+              <a:t>. </a:t>
+            </a:r>
+            <a:r>
+              <a:rPr lang="en-US" altLang="ko-KR" smtClean="0">
+                <a:latin typeface="나눔스퀘어 네오 OTF Bold" panose="00000800000000000000" pitchFamily="50" charset="-127"/>
+                <a:ea typeface="나눔스퀘어 네오 OTF Bold" panose="00000800000000000000" pitchFamily="50" charset="-127"/>
+              </a:rPr>
+              <a:t>Project </a:t>
+            </a:r>
+            <a:r>
+              <a:rPr lang="ko-KR" altLang="en-US" smtClean="0">
+                <a:latin typeface="나눔스퀘어 네오 OTF Bold" panose="00000800000000000000" pitchFamily="50" charset="-127"/>
+                <a:ea typeface="나눔스퀘어 네오 OTF Bold" panose="00000800000000000000" pitchFamily="50" charset="-127"/>
+              </a:rPr>
+              <a:t>개발 </a:t>
+            </a:r>
+            <a:r>
+              <a:rPr lang="ko-KR" altLang="en-US" smtClean="0">
+                <a:latin typeface="나눔스퀘어 네오 OTF Bold" panose="00000800000000000000" pitchFamily="50" charset="-127"/>
+                <a:ea typeface="나눔스퀘어 네오 OTF Bold" panose="00000800000000000000" pitchFamily="50" charset="-127"/>
+              </a:rPr>
+              <a:t>일정</a:t>
+            </a:r>
             <a:endParaRPr lang="en-US" altLang="ko-KR" smtClean="0">
               <a:latin typeface="나눔스퀘어 네오 OTF Bold" panose="00000800000000000000" pitchFamily="50" charset="-127"/>
               <a:ea typeface="나눔스퀘어 네오 OTF Bold" panose="00000800000000000000" pitchFamily="50" charset="-127"/>
             </a:endParaRPr>
           </a:p>
           <a:p>
+            <a:endParaRPr lang="en-US" altLang="ko-KR" smtClean="0">
+              <a:latin typeface="나눔스퀘어 네오 OTF Bold" panose="00000800000000000000" pitchFamily="50" charset="-127"/>
+              <a:ea typeface="나눔스퀘어 네오 OTF Bold" panose="00000800000000000000" pitchFamily="50" charset="-127"/>
+            </a:endParaRPr>
+          </a:p>
+          <a:p>
+            <a:endParaRPr lang="en-US" altLang="ko-KR" smtClean="0">
+              <a:latin typeface="나눔스퀘어 네오 OTF Bold" panose="00000800000000000000" pitchFamily="50" charset="-127"/>
+              <a:ea typeface="나눔스퀘어 네오 OTF Bold" panose="00000800000000000000" pitchFamily="50" charset="-127"/>
+            </a:endParaRPr>
+          </a:p>
+          <a:p>
             <a:r>
               <a:rPr lang="en-US" altLang="ko-KR" smtClean="0">
                 <a:latin typeface="나눔스퀘어 네오 OTF Bold" panose="00000800000000000000" pitchFamily="50" charset="-127"/>
                 <a:ea typeface="나눔스퀘어 네오 OTF Bold" panose="00000800000000000000" pitchFamily="50" charset="-127"/>
               </a:rPr>
-              <a:t>Ⅳ</a:t>
+              <a:t>Ⅴ</a:t>
             </a:r>
             <a:r>
               <a:rPr lang="en-US" altLang="ko-KR" smtClean="0">
                 <a:latin typeface="나눔스퀘어 네오 OTF Bold" panose="00000800000000000000" pitchFamily="50" charset="-127"/>
                 <a:ea typeface="나눔스퀘어 네오 OTF Bold" panose="00000800000000000000" pitchFamily="50" charset="-127"/>
               </a:rPr>
-              <a:t>. Project </a:t>
+              <a:t>. </a:t>
+            </a:r>
+            <a:r>
+              <a:rPr lang="en-US" altLang="ko-KR" smtClean="0">
+                <a:latin typeface="나눔스퀘어 네오 OTF Bold" panose="00000800000000000000" pitchFamily="50" charset="-127"/>
+                <a:ea typeface="나눔스퀘어 네오 OTF Bold" panose="00000800000000000000" pitchFamily="50" charset="-127"/>
+              </a:rPr>
+              <a:t>Project </a:t>
             </a:r>
             <a:r>
               <a:rPr lang="ko-KR" altLang="en-US" smtClean="0">
@@ -11641,6 +13662,187 @@
                 <a:latin typeface="나눔스퀘어 네오 OTF Bold" panose="00000800000000000000" pitchFamily="50" charset="-127"/>
                 <a:ea typeface="나눔스퀘어 네오 OTF Bold" panose="00000800000000000000" pitchFamily="50" charset="-127"/>
               </a:rPr>
+              <a:t>개발 </a:t>
+            </a:r>
+            <a:r>
+              <a:rPr lang="ko-KR" altLang="en-US" sz="2800" smtClean="0">
+                <a:latin typeface="나눔스퀘어 네오 OTF Bold" panose="00000800000000000000" pitchFamily="50" charset="-127"/>
+                <a:ea typeface="나눔스퀘어 네오 OTF Bold" panose="00000800000000000000" pitchFamily="50" charset="-127"/>
+              </a:rPr>
+              <a:t>기획</a:t>
+            </a:r>
+            <a:endParaRPr lang="en-US" altLang="ko-KR" sz="2800">
+              <a:latin typeface="나눔스퀘어 네오 OTF Bold" panose="00000800000000000000" pitchFamily="50" charset="-127"/>
+              <a:ea typeface="나눔스퀘어 네오 OTF Bold" panose="00000800000000000000" pitchFamily="50" charset="-127"/>
+            </a:endParaRPr>
+          </a:p>
+        </p:txBody>
+      </p:sp>
+    </p:spTree>
+    <p:extLst>
+      <p:ext uri="{BB962C8B-B14F-4D97-AF65-F5344CB8AC3E}">
+        <p14:creationId xmlns:p14="http://schemas.microsoft.com/office/powerpoint/2010/main" val="879524985"/>
+      </p:ext>
+    </p:extLst>
+  </p:cSld>
+  <p:clrMapOvr>
+    <a:masterClrMapping/>
+  </p:clrMapOvr>
+</p:sld>
+</file>
+
+<file path=ppt/slides/slide7.xml><?xml version="1.0" encoding="utf-8"?>
+<p:sld xmlns:a="http://schemas.openxmlformats.org/drawingml/2006/main" xmlns:r="http://schemas.openxmlformats.org/officeDocument/2006/relationships" xmlns:p="http://schemas.openxmlformats.org/presentationml/2006/main">
+  <p:cSld>
+    <p:spTree>
+      <p:nvGrpSpPr>
+        <p:cNvPr id="1" name=""/>
+        <p:cNvGrpSpPr/>
+        <p:nvPr/>
+      </p:nvGrpSpPr>
+      <p:grpSpPr>
+        <a:xfrm>
+          <a:off x="0" y="0"/>
+          <a:ext cx="0" cy="0"/>
+          <a:chOff x="0" y="0"/>
+          <a:chExt cx="0" cy="0"/>
+        </a:xfrm>
+      </p:grpSpPr>
+      <p:pic>
+        <p:nvPicPr>
+          <p:cNvPr id="4" name="그림 3"/>
+          <p:cNvPicPr>
+            <a:picLocks noChangeAspect="1"/>
+          </p:cNvPicPr>
+          <p:nvPr/>
+        </p:nvPicPr>
+        <p:blipFill>
+          <a:blip r:embed="rId2" cstate="print">
+            <a:extLst>
+              <a:ext uri="{28A0092B-C50C-407E-A947-70E740481C1C}">
+                <a14:useLocalDpi xmlns:a14="http://schemas.microsoft.com/office/drawing/2010/main" val="0"/>
+              </a:ext>
+            </a:extLst>
+          </a:blip>
+          <a:stretch>
+            <a:fillRect/>
+          </a:stretch>
+        </p:blipFill>
+        <p:spPr>
+          <a:xfrm>
+            <a:off x="0" y="0"/>
+            <a:ext cx="12192000" cy="3524596"/>
+          </a:xfrm>
+          <a:prstGeom prst="rect">
+            <a:avLst/>
+          </a:prstGeom>
+        </p:spPr>
+      </p:pic>
+      <p:sp>
+        <p:nvSpPr>
+          <p:cNvPr id="5" name="직사각형 4"/>
+          <p:cNvSpPr/>
+          <p:nvPr/>
+        </p:nvSpPr>
+        <p:spPr>
+          <a:xfrm>
+            <a:off x="0" y="0"/>
+            <a:ext cx="12192000" cy="3524596"/>
+          </a:xfrm>
+          <a:prstGeom prst="rect">
+            <a:avLst/>
+          </a:prstGeom>
+          <a:solidFill>
+            <a:schemeClr val="bg1">
+              <a:lumMod val="95000"/>
+              <a:alpha val="13000"/>
+            </a:schemeClr>
+          </a:solidFill>
+          <a:ln>
+            <a:noFill/>
+          </a:ln>
+        </p:spPr>
+        <p:style>
+          <a:lnRef idx="2">
+            <a:schemeClr val="accent1">
+              <a:shade val="50000"/>
+            </a:schemeClr>
+          </a:lnRef>
+          <a:fillRef idx="1">
+            <a:schemeClr val="accent1"/>
+          </a:fillRef>
+          <a:effectRef idx="0">
+            <a:schemeClr val="accent1"/>
+          </a:effectRef>
+          <a:fontRef idx="minor">
+            <a:schemeClr val="lt1"/>
+          </a:fontRef>
+        </p:style>
+        <p:txBody>
+          <a:bodyPr rtlCol="0" anchor="ctr"/>
+          <a:lstStyle/>
+          <a:p>
+            <a:pPr algn="ctr"/>
+            <a:endParaRPr lang="ko-KR" altLang="en-US"/>
+          </a:p>
+        </p:txBody>
+      </p:sp>
+      <p:sp>
+        <p:nvSpPr>
+          <p:cNvPr id="6" name="TextBox 5"/>
+          <p:cNvSpPr txBox="1"/>
+          <p:nvPr/>
+        </p:nvSpPr>
+        <p:spPr>
+          <a:xfrm>
+            <a:off x="3946849" y="4273420"/>
+            <a:ext cx="4298302" cy="523220"/>
+          </a:xfrm>
+          <a:prstGeom prst="rect">
+            <a:avLst/>
+          </a:prstGeom>
+          <a:noFill/>
+        </p:spPr>
+        <p:txBody>
+          <a:bodyPr wrap="square" rtlCol="0">
+            <a:spAutoFit/>
+          </a:bodyPr>
+          <a:lstStyle/>
+          <a:p>
+            <a:pPr algn="ctr"/>
+            <a:r>
+              <a:rPr lang="en-US" altLang="ko-KR" sz="2800" smtClean="0">
+                <a:latin typeface="나눔스퀘어 네오 OTF Bold" panose="00000800000000000000" pitchFamily="50" charset="-127"/>
+                <a:ea typeface="나눔스퀘어 네오 OTF Bold" panose="00000800000000000000" pitchFamily="50" charset="-127"/>
+              </a:rPr>
+              <a:t>Ⅲ</a:t>
+            </a:r>
+            <a:r>
+              <a:rPr lang="en-US" altLang="ko-KR" sz="2800" smtClean="0">
+                <a:latin typeface="나눔스퀘어 네오 OTF Bold" panose="00000800000000000000" pitchFamily="50" charset="-127"/>
+                <a:ea typeface="나눔스퀘어 네오 OTF Bold" panose="00000800000000000000" pitchFamily="50" charset="-127"/>
+              </a:rPr>
+              <a:t>. </a:t>
+            </a:r>
+            <a:r>
+              <a:rPr lang="en-US" altLang="ko-KR" sz="2800">
+                <a:latin typeface="나눔스퀘어 네오 OTF Bold" panose="00000800000000000000" pitchFamily="50" charset="-127"/>
+                <a:ea typeface="나눔스퀘어 네오 OTF Bold" panose="00000800000000000000" pitchFamily="50" charset="-127"/>
+              </a:rPr>
+              <a:t>Project</a:t>
+            </a:r>
+            <a:r>
+              <a:rPr lang="ko-KR" altLang="en-US" sz="2800">
+                <a:latin typeface="나눔스퀘어 네오 OTF Bold" panose="00000800000000000000" pitchFamily="50" charset="-127"/>
+                <a:ea typeface="나눔스퀘어 네오 OTF Bold" panose="00000800000000000000" pitchFamily="50" charset="-127"/>
+              </a:rPr>
+              <a:t> </a:t>
+            </a:r>
+            <a:r>
+              <a:rPr lang="ko-KR" altLang="en-US" sz="2800" smtClean="0">
+                <a:latin typeface="나눔스퀘어 네오 OTF Bold" panose="00000800000000000000" pitchFamily="50" charset="-127"/>
+                <a:ea typeface="나눔스퀘어 네오 OTF Bold" panose="00000800000000000000" pitchFamily="50" charset="-127"/>
+              </a:rPr>
               <a:t>개발 환경</a:t>
             </a:r>
             <a:endParaRPr lang="en-US" altLang="ko-KR" sz="2800">
@@ -11663,7 +13865,7 @@
 </p:sld>
 </file>
 
-<file path=ppt/slides/slide7.xml><?xml version="1.0" encoding="utf-8"?>
+<file path=ppt/slides/slide8.xml><?xml version="1.0" encoding="utf-8"?>
 <p:sld xmlns:a="http://schemas.openxmlformats.org/drawingml/2006/main" xmlns:r="http://schemas.openxmlformats.org/officeDocument/2006/relationships" xmlns:p="http://schemas.openxmlformats.org/presentationml/2006/main">
   <p:cSld>
     <p:spTree>
@@ -11707,7 +13909,14 @@
                 <a:latin typeface="나눔스퀘어 네오 OTF Bold" panose="00000800000000000000" pitchFamily="50" charset="-127"/>
                 <a:ea typeface="나눔스퀘어 네오 OTF Bold" panose="00000800000000000000" pitchFamily="50" charset="-127"/>
               </a:rPr>
-              <a:t>Ⅱ. </a:t>
+              <a:t>Ⅲ</a:t>
+            </a:r>
+            <a:r>
+              <a:rPr lang="en-US" altLang="ko-KR" smtClean="0">
+                <a:latin typeface="나눔스퀘어 네오 OTF Bold" panose="00000800000000000000" pitchFamily="50" charset="-127"/>
+                <a:ea typeface="나눔스퀘어 네오 OTF Bold" panose="00000800000000000000" pitchFamily="50" charset="-127"/>
+              </a:rPr>
+              <a:t>. </a:t>
             </a:r>
             <a:r>
               <a:rPr lang="en-US" altLang="ko-KR">
@@ -12662,393 +14871,6 @@
 </p:sld>
 </file>
 
-<file path=ppt/slides/slide8.xml><?xml version="1.0" encoding="utf-8"?>
-<p:sld xmlns:a="http://schemas.openxmlformats.org/drawingml/2006/main" xmlns:r="http://schemas.openxmlformats.org/officeDocument/2006/relationships" xmlns:p="http://schemas.openxmlformats.org/presentationml/2006/main">
-  <p:cSld>
-    <p:spTree>
-      <p:nvGrpSpPr>
-        <p:cNvPr id="1" name=""/>
-        <p:cNvGrpSpPr/>
-        <p:nvPr/>
-      </p:nvGrpSpPr>
-      <p:grpSpPr>
-        <a:xfrm>
-          <a:off x="0" y="0"/>
-          <a:ext cx="0" cy="0"/>
-          <a:chOff x="0" y="0"/>
-          <a:chExt cx="0" cy="0"/>
-        </a:xfrm>
-      </p:grpSpPr>
-      <p:sp>
-        <p:nvSpPr>
-          <p:cNvPr id="2" name="TextBox 1"/>
-          <p:cNvSpPr txBox="1"/>
-          <p:nvPr/>
-        </p:nvSpPr>
-        <p:spPr>
-          <a:xfrm>
-            <a:off x="177282" y="195943"/>
-            <a:ext cx="2491273" cy="369332"/>
-          </a:xfrm>
-          <a:prstGeom prst="rect">
-            <a:avLst/>
-          </a:prstGeom>
-          <a:noFill/>
-        </p:spPr>
-        <p:txBody>
-          <a:bodyPr wrap="square" rtlCol="0">
-            <a:spAutoFit/>
-          </a:bodyPr>
-          <a:lstStyle/>
-          <a:p>
-            <a:r>
-              <a:rPr lang="en-US" altLang="ko-KR" smtClean="0">
-                <a:latin typeface="나눔스퀘어 네오 OTF Bold" panose="00000800000000000000" pitchFamily="50" charset="-127"/>
-                <a:ea typeface="나눔스퀘어 네오 OTF Bold" panose="00000800000000000000" pitchFamily="50" charset="-127"/>
-              </a:rPr>
-              <a:t>Ⅱ. </a:t>
-            </a:r>
-            <a:r>
-              <a:rPr lang="en-US" altLang="ko-KR">
-                <a:latin typeface="나눔스퀘어 네오 OTF Bold" panose="00000800000000000000" pitchFamily="50" charset="-127"/>
-                <a:ea typeface="나눔스퀘어 네오 OTF Bold" panose="00000800000000000000" pitchFamily="50" charset="-127"/>
-              </a:rPr>
-              <a:t>Project</a:t>
-            </a:r>
-            <a:r>
-              <a:rPr lang="ko-KR" altLang="en-US">
-                <a:latin typeface="나눔스퀘어 네오 OTF Bold" panose="00000800000000000000" pitchFamily="50" charset="-127"/>
-                <a:ea typeface="나눔스퀘어 네오 OTF Bold" panose="00000800000000000000" pitchFamily="50" charset="-127"/>
-              </a:rPr>
-              <a:t> </a:t>
-            </a:r>
-            <a:r>
-              <a:rPr lang="ko-KR" altLang="en-US" smtClean="0">
-                <a:latin typeface="나눔스퀘어 네오 OTF Bold" panose="00000800000000000000" pitchFamily="50" charset="-127"/>
-                <a:ea typeface="나눔스퀘어 네오 OTF Bold" panose="00000800000000000000" pitchFamily="50" charset="-127"/>
-              </a:rPr>
-              <a:t>개발 환경</a:t>
-            </a:r>
-            <a:endParaRPr lang="en-US" altLang="ko-KR">
-              <a:latin typeface="나눔스퀘어 네오 OTF Bold" panose="00000800000000000000" pitchFamily="50" charset="-127"/>
-              <a:ea typeface="나눔스퀘어 네오 OTF Bold" panose="00000800000000000000" pitchFamily="50" charset="-127"/>
-            </a:endParaRPr>
-          </a:p>
-        </p:txBody>
-      </p:sp>
-      <p:pic>
-        <p:nvPicPr>
-          <p:cNvPr id="6" name="그림 5"/>
-          <p:cNvPicPr>
-            <a:picLocks noChangeAspect="1"/>
-          </p:cNvPicPr>
-          <p:nvPr/>
-        </p:nvPicPr>
-        <p:blipFill>
-          <a:blip r:embed="rId2" cstate="print">
-            <a:extLst>
-              <a:ext uri="{28A0092B-C50C-407E-A947-70E740481C1C}">
-                <a14:useLocalDpi xmlns:a14="http://schemas.microsoft.com/office/drawing/2010/main" val="0"/>
-              </a:ext>
-            </a:extLst>
-          </a:blip>
-          <a:stretch>
-            <a:fillRect/>
-          </a:stretch>
-        </p:blipFill>
-        <p:spPr>
-          <a:xfrm>
-            <a:off x="9072193" y="4518313"/>
-            <a:ext cx="625833" cy="625833"/>
-          </a:xfrm>
-          <a:prstGeom prst="rect">
-            <a:avLst/>
-          </a:prstGeom>
-        </p:spPr>
-      </p:pic>
-      <p:pic>
-        <p:nvPicPr>
-          <p:cNvPr id="8" name="그림 7"/>
-          <p:cNvPicPr>
-            <a:picLocks noChangeAspect="1"/>
-          </p:cNvPicPr>
-          <p:nvPr/>
-        </p:nvPicPr>
-        <p:blipFill>
-          <a:blip r:embed="rId3" cstate="print">
-            <a:extLst>
-              <a:ext uri="{28A0092B-C50C-407E-A947-70E740481C1C}">
-                <a14:useLocalDpi xmlns:a14="http://schemas.microsoft.com/office/drawing/2010/main" val="0"/>
-              </a:ext>
-            </a:extLst>
-          </a:blip>
-          <a:stretch>
-            <a:fillRect/>
-          </a:stretch>
-        </p:blipFill>
-        <p:spPr>
-          <a:xfrm>
-            <a:off x="9868086" y="1353864"/>
-            <a:ext cx="470418" cy="470418"/>
-          </a:xfrm>
-          <a:prstGeom prst="rect">
-            <a:avLst/>
-          </a:prstGeom>
-        </p:spPr>
-      </p:pic>
-      <p:pic>
-        <p:nvPicPr>
-          <p:cNvPr id="11" name="그림 10"/>
-          <p:cNvPicPr>
-            <a:picLocks noChangeAspect="1"/>
-          </p:cNvPicPr>
-          <p:nvPr/>
-        </p:nvPicPr>
-        <p:blipFill>
-          <a:blip r:embed="rId4" cstate="print">
-            <a:extLst>
-              <a:ext uri="{28A0092B-C50C-407E-A947-70E740481C1C}">
-                <a14:useLocalDpi xmlns:a14="http://schemas.microsoft.com/office/drawing/2010/main" val="0"/>
-              </a:ext>
-            </a:extLst>
-          </a:blip>
-          <a:stretch>
-            <a:fillRect/>
-          </a:stretch>
-        </p:blipFill>
-        <p:spPr>
-          <a:xfrm>
-            <a:off x="8637399" y="3485443"/>
-            <a:ext cx="1180419" cy="663986"/>
-          </a:xfrm>
-          <a:prstGeom prst="rect">
-            <a:avLst/>
-          </a:prstGeom>
-        </p:spPr>
-      </p:pic>
-      <p:pic>
-        <p:nvPicPr>
-          <p:cNvPr id="12" name="그림 11"/>
-          <p:cNvPicPr>
-            <a:picLocks noChangeAspect="1"/>
-          </p:cNvPicPr>
-          <p:nvPr/>
-        </p:nvPicPr>
-        <p:blipFill>
-          <a:blip r:embed="rId5" cstate="print">
-            <a:extLst>
-              <a:ext uri="{28A0092B-C50C-407E-A947-70E740481C1C}">
-                <a14:useLocalDpi xmlns:a14="http://schemas.microsoft.com/office/drawing/2010/main" val="0"/>
-              </a:ext>
-            </a:extLst>
-          </a:blip>
-          <a:stretch>
-            <a:fillRect/>
-          </a:stretch>
-        </p:blipFill>
-        <p:spPr>
-          <a:xfrm>
-            <a:off x="9576579" y="459432"/>
-            <a:ext cx="654506" cy="654506"/>
-          </a:xfrm>
-          <a:prstGeom prst="rect">
-            <a:avLst/>
-          </a:prstGeom>
-        </p:spPr>
-      </p:pic>
-      <p:pic>
-        <p:nvPicPr>
-          <p:cNvPr id="13" name="그림 12"/>
-          <p:cNvPicPr>
-            <a:picLocks noChangeAspect="1"/>
-          </p:cNvPicPr>
-          <p:nvPr/>
-        </p:nvPicPr>
-        <p:blipFill>
-          <a:blip r:embed="rId6" cstate="print">
-            <a:extLst>
-              <a:ext uri="{28A0092B-C50C-407E-A947-70E740481C1C}">
-                <a14:useLocalDpi xmlns:a14="http://schemas.microsoft.com/office/drawing/2010/main" val="0"/>
-              </a:ext>
-            </a:extLst>
-          </a:blip>
-          <a:stretch>
-            <a:fillRect/>
-          </a:stretch>
-        </p:blipFill>
-        <p:spPr>
-          <a:xfrm>
-            <a:off x="5809613" y="1056006"/>
-            <a:ext cx="1141152" cy="599105"/>
-          </a:xfrm>
-          <a:prstGeom prst="rect">
-            <a:avLst/>
-          </a:prstGeom>
-        </p:spPr>
-      </p:pic>
-      <p:pic>
-        <p:nvPicPr>
-          <p:cNvPr id="14" name="그림 13"/>
-          <p:cNvPicPr>
-            <a:picLocks noChangeAspect="1"/>
-          </p:cNvPicPr>
-          <p:nvPr/>
-        </p:nvPicPr>
-        <p:blipFill>
-          <a:blip r:embed="rId7" cstate="print">
-            <a:extLst>
-              <a:ext uri="{28A0092B-C50C-407E-A947-70E740481C1C}">
-                <a14:useLocalDpi xmlns:a14="http://schemas.microsoft.com/office/drawing/2010/main" val="0"/>
-              </a:ext>
-            </a:extLst>
-          </a:blip>
-          <a:stretch>
-            <a:fillRect/>
-          </a:stretch>
-        </p:blipFill>
-        <p:spPr>
-          <a:xfrm>
-            <a:off x="8571744" y="3974076"/>
-            <a:ext cx="891073" cy="668305"/>
-          </a:xfrm>
-          <a:prstGeom prst="rect">
-            <a:avLst/>
-          </a:prstGeom>
-        </p:spPr>
-      </p:pic>
-      <p:pic>
-        <p:nvPicPr>
-          <p:cNvPr id="15" name="그림 14"/>
-          <p:cNvPicPr>
-            <a:picLocks noChangeAspect="1"/>
-          </p:cNvPicPr>
-          <p:nvPr/>
-        </p:nvPicPr>
-        <p:blipFill>
-          <a:blip r:embed="rId8" cstate="print">
-            <a:extLst>
-              <a:ext uri="{28A0092B-C50C-407E-A947-70E740481C1C}">
-                <a14:useLocalDpi xmlns:a14="http://schemas.microsoft.com/office/drawing/2010/main" val="0"/>
-              </a:ext>
-            </a:extLst>
-          </a:blip>
-          <a:stretch>
-            <a:fillRect/>
-          </a:stretch>
-        </p:blipFill>
-        <p:spPr>
-          <a:xfrm>
-            <a:off x="9401174" y="4906679"/>
-            <a:ext cx="863605" cy="448670"/>
-          </a:xfrm>
-          <a:prstGeom prst="rect">
-            <a:avLst/>
-          </a:prstGeom>
-        </p:spPr>
-      </p:pic>
-      <p:pic>
-        <p:nvPicPr>
-          <p:cNvPr id="16" name="그림 15"/>
-          <p:cNvPicPr>
-            <a:picLocks noChangeAspect="1"/>
-          </p:cNvPicPr>
-          <p:nvPr/>
-        </p:nvPicPr>
-        <p:blipFill>
-          <a:blip r:embed="rId9" cstate="print">
-            <a:extLst>
-              <a:ext uri="{28A0092B-C50C-407E-A947-70E740481C1C}">
-                <a14:useLocalDpi xmlns:a14="http://schemas.microsoft.com/office/drawing/2010/main" val="0"/>
-              </a:ext>
-            </a:extLst>
-          </a:blip>
-          <a:stretch>
-            <a:fillRect/>
-          </a:stretch>
-        </p:blipFill>
-        <p:spPr>
-          <a:xfrm>
-            <a:off x="8028620" y="1012432"/>
-            <a:ext cx="569629" cy="630851"/>
-          </a:xfrm>
-          <a:prstGeom prst="rect">
-            <a:avLst/>
-          </a:prstGeom>
-        </p:spPr>
-      </p:pic>
-      <p:pic>
-        <p:nvPicPr>
-          <p:cNvPr id="3" name="그림 2"/>
-          <p:cNvPicPr>
-            <a:picLocks noChangeAspect="1"/>
-          </p:cNvPicPr>
-          <p:nvPr/>
-        </p:nvPicPr>
-        <p:blipFill>
-          <a:blip r:embed="rId10">
-            <a:extLst>
-              <a:ext uri="{28A0092B-C50C-407E-A947-70E740481C1C}">
-                <a14:useLocalDpi xmlns:a14="http://schemas.microsoft.com/office/drawing/2010/main" val="0"/>
-              </a:ext>
-            </a:extLst>
-          </a:blip>
-          <a:stretch>
-            <a:fillRect/>
-          </a:stretch>
-        </p:blipFill>
-        <p:spPr>
-          <a:xfrm>
-            <a:off x="9963150" y="4123894"/>
-            <a:ext cx="1457519" cy="368667"/>
-          </a:xfrm>
-          <a:prstGeom prst="rect">
-            <a:avLst/>
-          </a:prstGeom>
-        </p:spPr>
-      </p:pic>
-      <p:pic>
-        <p:nvPicPr>
-          <p:cNvPr id="5" name="그림 4"/>
-          <p:cNvPicPr>
-            <a:picLocks noChangeAspect="1"/>
-          </p:cNvPicPr>
-          <p:nvPr/>
-        </p:nvPicPr>
-        <p:blipFill>
-          <a:blip r:embed="rId11" cstate="print">
-            <a:extLst>
-              <a:ext uri="{28A0092B-C50C-407E-A947-70E740481C1C}">
-                <a14:useLocalDpi xmlns:a14="http://schemas.microsoft.com/office/drawing/2010/main" val="0"/>
-              </a:ext>
-            </a:extLst>
-          </a:blip>
-          <a:stretch>
-            <a:fillRect/>
-          </a:stretch>
-        </p:blipFill>
-        <p:spPr>
-          <a:xfrm>
-            <a:off x="7170390" y="3373621"/>
-            <a:ext cx="600455" cy="600455"/>
-          </a:xfrm>
-          <a:prstGeom prst="rect">
-            <a:avLst/>
-          </a:prstGeom>
-        </p:spPr>
-      </p:pic>
-    </p:spTree>
-    <p:extLst>
-      <p:ext uri="{BB962C8B-B14F-4D97-AF65-F5344CB8AC3E}">
-        <p14:creationId xmlns:p14="http://schemas.microsoft.com/office/powerpoint/2010/main" val="2795751199"/>
-      </p:ext>
-    </p:extLst>
-  </p:cSld>
-  <p:clrMapOvr>
-    <a:masterClrMapping/>
-  </p:clrMapOvr>
-</p:sld>
-</file>
-
 <file path=ppt/slides/slide9.xml><?xml version="1.0" encoding="utf-8"?>
 <p:sld xmlns:a="http://schemas.openxmlformats.org/drawingml/2006/main" xmlns:r="http://schemas.openxmlformats.org/officeDocument/2006/relationships" xmlns:p="http://schemas.openxmlformats.org/presentationml/2006/main">
   <p:cSld>
@@ -13173,7 +14995,14 @@
                 <a:latin typeface="나눔스퀘어 네오 OTF Bold" panose="00000800000000000000" pitchFamily="50" charset="-127"/>
                 <a:ea typeface="나눔스퀘어 네오 OTF Bold" panose="00000800000000000000" pitchFamily="50" charset="-127"/>
               </a:rPr>
-              <a:t>Ⅲ. </a:t>
+              <a:t>Ⅳ</a:t>
+            </a:r>
+            <a:r>
+              <a:rPr lang="en-US" altLang="ko-KR" sz="2800" smtClean="0">
+                <a:latin typeface="나눔스퀘어 네오 OTF Bold" panose="00000800000000000000" pitchFamily="50" charset="-127"/>
+                <a:ea typeface="나눔스퀘어 네오 OTF Bold" panose="00000800000000000000" pitchFamily="50" charset="-127"/>
+              </a:rPr>
+              <a:t>. </a:t>
             </a:r>
             <a:r>
               <a:rPr lang="en-US" altLang="ko-KR" sz="2800">
